--- a/talk/work/prospectus_talk.pptx
+++ b/talk/work/prospectus_talk.pptx
@@ -5,7 +5,7 @@
     <p:sldMasterId id="2147483648" r:id="rId1"/>
   </p:sldMasterIdLst>
   <p:notesMasterIdLst>
-    <p:notesMasterId r:id="rId14"/>
+    <p:notesMasterId r:id="rId18"/>
   </p:notesMasterIdLst>
   <p:sldIdLst>
     <p:sldId id="260" r:id="rId2"/>
@@ -17,9 +17,13 @@
     <p:sldId id="264" r:id="rId8"/>
     <p:sldId id="267" r:id="rId9"/>
     <p:sldId id="268" r:id="rId10"/>
-    <p:sldId id="271" r:id="rId11"/>
-    <p:sldId id="270" r:id="rId12"/>
-    <p:sldId id="269" r:id="rId13"/>
+    <p:sldId id="270" r:id="rId11"/>
+    <p:sldId id="271" r:id="rId12"/>
+    <p:sldId id="272" r:id="rId13"/>
+    <p:sldId id="273" r:id="rId14"/>
+    <p:sldId id="269" r:id="rId15"/>
+    <p:sldId id="274" r:id="rId16"/>
+    <p:sldId id="275" r:id="rId17"/>
   </p:sldIdLst>
   <p:sldSz cx="9144000" cy="6858000" type="screen4x3"/>
   <p:notesSz cx="6858000" cy="9144000"/>
@@ -120,7 +124,7 @@
   </p:defaultTextStyle>
   <p:extLst>
     <p:ext uri="{EFAFB233-063F-42B5-8137-9DF3F51BA10A}">
-      <p15:sldGuideLst xmlns:p15="http://schemas.microsoft.com/office/powerpoint/2012/main" xmlns="">
+      <p15:sldGuideLst xmlns="" xmlns:p15="http://schemas.microsoft.com/office/powerpoint/2012/main">
         <p15:guide id="1" orient="horz" pos="2160">
           <p15:clr>
             <a:srgbClr val="A4A3A4"/>
@@ -391,7 +395,7 @@
     </p:spTree>
     <p:extLst>
       <p:ext uri="{BB962C8B-B14F-4D97-AF65-F5344CB8AC3E}">
-        <p14:creationId xmlns:p14="http://schemas.microsoft.com/office/powerpoint/2010/main" xmlns="" val="872032668"/>
+        <p14:creationId xmlns="" xmlns:p14="http://schemas.microsoft.com/office/powerpoint/2010/main" val="872032668"/>
       </p:ext>
     </p:extLst>
   </p:cSld>
@@ -573,6 +577,252 @@
 </p:notes>
 </file>
 
+<file path=ppt/notesSlides/notesSlide10.xml><?xml version="1.0" encoding="utf-8"?>
+<p:notes xmlns:a="http://schemas.openxmlformats.org/drawingml/2006/main" xmlns:r="http://schemas.openxmlformats.org/officeDocument/2006/relationships" xmlns:p="http://schemas.openxmlformats.org/presentationml/2006/main">
+  <p:cSld>
+    <p:spTree>
+      <p:nvGrpSpPr>
+        <p:cNvPr id="1" name=""/>
+        <p:cNvGrpSpPr/>
+        <p:nvPr/>
+      </p:nvGrpSpPr>
+      <p:grpSpPr>
+        <a:xfrm>
+          <a:off x="0" y="0"/>
+          <a:ext cx="0" cy="0"/>
+          <a:chOff x="0" y="0"/>
+          <a:chExt cx="0" cy="0"/>
+        </a:xfrm>
+      </p:grpSpPr>
+      <p:sp>
+        <p:nvSpPr>
+          <p:cNvPr id="2" name="Slide Image Placeholder 1"/>
+          <p:cNvSpPr>
+            <a:spLocks noGrp="1" noRot="1" noChangeAspect="1"/>
+          </p:cNvSpPr>
+          <p:nvPr>
+            <p:ph type="sldImg"/>
+          </p:nvPr>
+        </p:nvSpPr>
+        <p:spPr/>
+      </p:sp>
+      <p:sp>
+        <p:nvSpPr>
+          <p:cNvPr id="3" name="Notes Placeholder 2"/>
+          <p:cNvSpPr>
+            <a:spLocks noGrp="1"/>
+          </p:cNvSpPr>
+          <p:nvPr>
+            <p:ph type="body" idx="1"/>
+          </p:nvPr>
+        </p:nvSpPr>
+        <p:spPr/>
+        <p:txBody>
+          <a:bodyPr>
+            <a:normAutofit/>
+          </a:bodyPr>
+          <a:lstStyle/>
+          <a:p>
+            <a:endParaRPr lang="en-US" dirty="0"/>
+          </a:p>
+        </p:txBody>
+      </p:sp>
+      <p:sp>
+        <p:nvSpPr>
+          <p:cNvPr id="4" name="Slide Number Placeholder 3"/>
+          <p:cNvSpPr>
+            <a:spLocks noGrp="1"/>
+          </p:cNvSpPr>
+          <p:nvPr>
+            <p:ph type="sldNum" sz="quarter" idx="10"/>
+          </p:nvPr>
+        </p:nvSpPr>
+        <p:spPr/>
+        <p:txBody>
+          <a:bodyPr/>
+          <a:lstStyle/>
+          <a:p>
+            <a:fld id="{3145A327-FBFF-F345-85FE-A8BA87ADD118}" type="slidenum">
+              <a:rPr lang="en-US" smtClean="0"/>
+              <a:pPr/>
+              <a:t>14</a:t>
+            </a:fld>
+            <a:endParaRPr lang="en-US"/>
+          </a:p>
+        </p:txBody>
+      </p:sp>
+    </p:spTree>
+  </p:cSld>
+  <p:clrMapOvr>
+    <a:masterClrMapping/>
+  </p:clrMapOvr>
+</p:notes>
+</file>
+
+<file path=ppt/notesSlides/notesSlide11.xml><?xml version="1.0" encoding="utf-8"?>
+<p:notes xmlns:a="http://schemas.openxmlformats.org/drawingml/2006/main" xmlns:r="http://schemas.openxmlformats.org/officeDocument/2006/relationships" xmlns:p="http://schemas.openxmlformats.org/presentationml/2006/main">
+  <p:cSld>
+    <p:spTree>
+      <p:nvGrpSpPr>
+        <p:cNvPr id="1" name=""/>
+        <p:cNvGrpSpPr/>
+        <p:nvPr/>
+      </p:nvGrpSpPr>
+      <p:grpSpPr>
+        <a:xfrm>
+          <a:off x="0" y="0"/>
+          <a:ext cx="0" cy="0"/>
+          <a:chOff x="0" y="0"/>
+          <a:chExt cx="0" cy="0"/>
+        </a:xfrm>
+      </p:grpSpPr>
+      <p:sp>
+        <p:nvSpPr>
+          <p:cNvPr id="2" name="Slide Image Placeholder 1"/>
+          <p:cNvSpPr>
+            <a:spLocks noGrp="1" noRot="1" noChangeAspect="1"/>
+          </p:cNvSpPr>
+          <p:nvPr>
+            <p:ph type="sldImg"/>
+          </p:nvPr>
+        </p:nvSpPr>
+        <p:spPr/>
+      </p:sp>
+      <p:sp>
+        <p:nvSpPr>
+          <p:cNvPr id="3" name="Notes Placeholder 2"/>
+          <p:cNvSpPr>
+            <a:spLocks noGrp="1"/>
+          </p:cNvSpPr>
+          <p:nvPr>
+            <p:ph type="body" idx="1"/>
+          </p:nvPr>
+        </p:nvSpPr>
+        <p:spPr/>
+        <p:txBody>
+          <a:bodyPr>
+            <a:normAutofit/>
+          </a:bodyPr>
+          <a:lstStyle/>
+          <a:p>
+            <a:endParaRPr lang="en-US" dirty="0"/>
+          </a:p>
+        </p:txBody>
+      </p:sp>
+      <p:sp>
+        <p:nvSpPr>
+          <p:cNvPr id="4" name="Slide Number Placeholder 3"/>
+          <p:cNvSpPr>
+            <a:spLocks noGrp="1"/>
+          </p:cNvSpPr>
+          <p:nvPr>
+            <p:ph type="sldNum" sz="quarter" idx="10"/>
+          </p:nvPr>
+        </p:nvSpPr>
+        <p:spPr/>
+        <p:txBody>
+          <a:bodyPr/>
+          <a:lstStyle/>
+          <a:p>
+            <a:fld id="{3145A327-FBFF-F345-85FE-A8BA87ADD118}" type="slidenum">
+              <a:rPr lang="en-US" smtClean="0"/>
+              <a:pPr/>
+              <a:t>15</a:t>
+            </a:fld>
+            <a:endParaRPr lang="en-US"/>
+          </a:p>
+        </p:txBody>
+      </p:sp>
+    </p:spTree>
+  </p:cSld>
+  <p:clrMapOvr>
+    <a:masterClrMapping/>
+  </p:clrMapOvr>
+</p:notes>
+</file>
+
+<file path=ppt/notesSlides/notesSlide12.xml><?xml version="1.0" encoding="utf-8"?>
+<p:notes xmlns:a="http://schemas.openxmlformats.org/drawingml/2006/main" xmlns:r="http://schemas.openxmlformats.org/officeDocument/2006/relationships" xmlns:p="http://schemas.openxmlformats.org/presentationml/2006/main">
+  <p:cSld>
+    <p:spTree>
+      <p:nvGrpSpPr>
+        <p:cNvPr id="1" name=""/>
+        <p:cNvGrpSpPr/>
+        <p:nvPr/>
+      </p:nvGrpSpPr>
+      <p:grpSpPr>
+        <a:xfrm>
+          <a:off x="0" y="0"/>
+          <a:ext cx="0" cy="0"/>
+          <a:chOff x="0" y="0"/>
+          <a:chExt cx="0" cy="0"/>
+        </a:xfrm>
+      </p:grpSpPr>
+      <p:sp>
+        <p:nvSpPr>
+          <p:cNvPr id="2" name="Slide Image Placeholder 1"/>
+          <p:cNvSpPr>
+            <a:spLocks noGrp="1" noRot="1" noChangeAspect="1"/>
+          </p:cNvSpPr>
+          <p:nvPr>
+            <p:ph type="sldImg"/>
+          </p:nvPr>
+        </p:nvSpPr>
+        <p:spPr/>
+      </p:sp>
+      <p:sp>
+        <p:nvSpPr>
+          <p:cNvPr id="3" name="Notes Placeholder 2"/>
+          <p:cNvSpPr>
+            <a:spLocks noGrp="1"/>
+          </p:cNvSpPr>
+          <p:nvPr>
+            <p:ph type="body" idx="1"/>
+          </p:nvPr>
+        </p:nvSpPr>
+        <p:spPr/>
+        <p:txBody>
+          <a:bodyPr>
+            <a:normAutofit/>
+          </a:bodyPr>
+          <a:lstStyle/>
+          <a:p>
+            <a:endParaRPr lang="en-US" dirty="0"/>
+          </a:p>
+        </p:txBody>
+      </p:sp>
+      <p:sp>
+        <p:nvSpPr>
+          <p:cNvPr id="4" name="Slide Number Placeholder 3"/>
+          <p:cNvSpPr>
+            <a:spLocks noGrp="1"/>
+          </p:cNvSpPr>
+          <p:nvPr>
+            <p:ph type="sldNum" sz="quarter" idx="10"/>
+          </p:nvPr>
+        </p:nvSpPr>
+        <p:spPr/>
+        <p:txBody>
+          <a:bodyPr/>
+          <a:lstStyle/>
+          <a:p>
+            <a:fld id="{3145A327-FBFF-F345-85FE-A8BA87ADD118}" type="slidenum">
+              <a:rPr lang="en-US" smtClean="0"/>
+              <a:pPr/>
+              <a:t>16</a:t>
+            </a:fld>
+            <a:endParaRPr lang="en-US"/>
+          </a:p>
+        </p:txBody>
+      </p:sp>
+    </p:spTree>
+  </p:cSld>
+  <p:clrMapOvr>
+    <a:masterClrMapping/>
+  </p:clrMapOvr>
+</p:notes>
+</file>
+
 <file path=ppt/notesSlides/notesSlide2.xml><?xml version="1.0" encoding="utf-8"?>
 <p:notes xmlns:a="http://schemas.openxmlformats.org/drawingml/2006/main" xmlns:r="http://schemas.openxmlformats.org/officeDocument/2006/relationships" xmlns:p="http://schemas.openxmlformats.org/presentationml/2006/main">
   <p:cSld>
@@ -787,11 +1037,7 @@
             </a:r>
             <a:r>
               <a:rPr lang="en-US" baseline="0" dirty="0" smtClean="0"/>
-              <a:t> = 0.195 </a:t>
-            </a:r>
-            <a:r>
-              <a:rPr lang="en-US" baseline="0" dirty="0" smtClean="0"/>
-              <a:t>k</a:t>
+              <a:t> = 0.195 k</a:t>
             </a:r>
             <a:r>
               <a:rPr lang="el-GR" baseline="0" dirty="0" smtClean="0"/>
@@ -807,15 +1053,7 @@
             </a:r>
             <a:r>
               <a:rPr lang="en-US" baseline="0" dirty="0" smtClean="0"/>
-              <a:t>m)</a:t>
-            </a:r>
-            <a:r>
-              <a:rPr lang="en-US" baseline="0" dirty="0" smtClean="0"/>
-              <a:t> and at 5K </a:t>
-            </a:r>
-            <a:r>
-              <a:rPr lang="en-US" baseline="0" dirty="0" smtClean="0"/>
-              <a:t>(</a:t>
+              <a:t>m) and at 5K (</a:t>
             </a:r>
             <a:r>
               <a:rPr lang="en-US" baseline="0" dirty="0" err="1" smtClean="0"/>
@@ -843,11 +1081,7 @@
             </a:r>
             <a:r>
               <a:rPr lang="en-US" baseline="0" dirty="0" smtClean="0"/>
-              <a:t>m)</a:t>
-            </a:r>
-            <a:r>
-              <a:rPr lang="en-US" baseline="0" dirty="0" smtClean="0"/>
-              <a:t>.</a:t>
+              <a:t>m).</a:t>
             </a:r>
             <a:endParaRPr lang="en-US" dirty="0"/>
           </a:p>
@@ -1177,6 +1411,30 @@
           </a:bodyPr>
           <a:lstStyle/>
           <a:p>
+            <a:r>
+              <a:rPr lang="en-US" dirty="0" smtClean="0"/>
+              <a:t>Integer</a:t>
+            </a:r>
+            <a:r>
+              <a:rPr lang="en-US" baseline="0" dirty="0" smtClean="0"/>
+              <a:t> quantum hall effect in an Indium gallium arsenide (</a:t>
+            </a:r>
+            <a:r>
+              <a:rPr lang="en-US" baseline="0" dirty="0" err="1" smtClean="0"/>
+              <a:t>InGaAs</a:t>
+            </a:r>
+            <a:r>
+              <a:rPr lang="en-US" baseline="0" dirty="0" smtClean="0"/>
+              <a:t>) </a:t>
+            </a:r>
+            <a:r>
+              <a:rPr lang="en-US" baseline="0" dirty="0" err="1" smtClean="0"/>
+              <a:t>heterostructure</a:t>
+            </a:r>
+            <a:r>
+              <a:rPr lang="en-US" baseline="0" dirty="0" smtClean="0"/>
+              <a:t>.</a:t>
+            </a:r>
             <a:endParaRPr lang="en-US" dirty="0"/>
           </a:p>
         </p:txBody>
@@ -1282,6 +1540,88 @@
               <a:rPr lang="en-US" smtClean="0"/>
               <a:pPr/>
               <a:t>12</a:t>
+            </a:fld>
+            <a:endParaRPr lang="en-US"/>
+          </a:p>
+        </p:txBody>
+      </p:sp>
+    </p:spTree>
+  </p:cSld>
+  <p:clrMapOvr>
+    <a:masterClrMapping/>
+  </p:clrMapOvr>
+</p:notes>
+</file>
+
+<file path=ppt/notesSlides/notesSlide9.xml><?xml version="1.0" encoding="utf-8"?>
+<p:notes xmlns:a="http://schemas.openxmlformats.org/drawingml/2006/main" xmlns:r="http://schemas.openxmlformats.org/officeDocument/2006/relationships" xmlns:p="http://schemas.openxmlformats.org/presentationml/2006/main">
+  <p:cSld>
+    <p:spTree>
+      <p:nvGrpSpPr>
+        <p:cNvPr id="1" name=""/>
+        <p:cNvGrpSpPr/>
+        <p:nvPr/>
+      </p:nvGrpSpPr>
+      <p:grpSpPr>
+        <a:xfrm>
+          <a:off x="0" y="0"/>
+          <a:ext cx="0" cy="0"/>
+          <a:chOff x="0" y="0"/>
+          <a:chExt cx="0" cy="0"/>
+        </a:xfrm>
+      </p:grpSpPr>
+      <p:sp>
+        <p:nvSpPr>
+          <p:cNvPr id="2" name="Slide Image Placeholder 1"/>
+          <p:cNvSpPr>
+            <a:spLocks noGrp="1" noRot="1" noChangeAspect="1"/>
+          </p:cNvSpPr>
+          <p:nvPr>
+            <p:ph type="sldImg"/>
+          </p:nvPr>
+        </p:nvSpPr>
+        <p:spPr/>
+      </p:sp>
+      <p:sp>
+        <p:nvSpPr>
+          <p:cNvPr id="3" name="Notes Placeholder 2"/>
+          <p:cNvSpPr>
+            <a:spLocks noGrp="1"/>
+          </p:cNvSpPr>
+          <p:nvPr>
+            <p:ph type="body" idx="1"/>
+          </p:nvPr>
+        </p:nvSpPr>
+        <p:spPr/>
+        <p:txBody>
+          <a:bodyPr>
+            <a:normAutofit/>
+          </a:bodyPr>
+          <a:lstStyle/>
+          <a:p>
+            <a:endParaRPr lang="en-US" dirty="0"/>
+          </a:p>
+        </p:txBody>
+      </p:sp>
+      <p:sp>
+        <p:nvSpPr>
+          <p:cNvPr id="4" name="Slide Number Placeholder 3"/>
+          <p:cNvSpPr>
+            <a:spLocks noGrp="1"/>
+          </p:cNvSpPr>
+          <p:nvPr>
+            <p:ph type="sldNum" sz="quarter" idx="10"/>
+          </p:nvPr>
+        </p:nvSpPr>
+        <p:spPr/>
+        <p:txBody>
+          <a:bodyPr/>
+          <a:lstStyle/>
+          <a:p>
+            <a:fld id="{3145A327-FBFF-F345-85FE-A8BA87ADD118}" type="slidenum">
+              <a:rPr lang="en-US" smtClean="0"/>
+              <a:pPr/>
+              <a:t>13</a:t>
             </a:fld>
             <a:endParaRPr lang="en-US"/>
           </a:p>
@@ -1476,6 +1816,7 @@
           <a:p>
             <a:fld id="{7E0DF44E-357F-47E0-95AF-DEED0B9F1A91}" type="datetime1">
               <a:rPr lang="en-US" smtClean="0"/>
+              <a:pPr/>
               <a:t>2/3/2016</a:t>
             </a:fld>
             <a:endParaRPr lang="en-US"/>
@@ -1647,6 +1988,7 @@
           <a:p>
             <a:fld id="{EA0FD64F-7438-4448-9609-D2CCAD5DEFD3}" type="datetime1">
               <a:rPr lang="en-US" smtClean="0"/>
+              <a:pPr/>
               <a:t>2/3/2016</a:t>
             </a:fld>
             <a:endParaRPr lang="en-US"/>
@@ -1828,6 +2170,7 @@
           <a:p>
             <a:fld id="{864CA25F-E80B-4572-8378-C2DDCB8AAF28}" type="datetime1">
               <a:rPr lang="en-US" smtClean="0"/>
+              <a:pPr/>
               <a:t>2/3/2016</a:t>
             </a:fld>
             <a:endParaRPr lang="en-US"/>
@@ -1999,6 +2342,7 @@
           <a:p>
             <a:fld id="{7FFBA6C7-DB6A-4AE1-A8FB-4A71A7CBF410}" type="datetime1">
               <a:rPr lang="en-US" smtClean="0"/>
+              <a:pPr/>
               <a:t>2/3/2016</a:t>
             </a:fld>
             <a:endParaRPr lang="en-US"/>
@@ -2246,6 +2590,7 @@
           <a:p>
             <a:fld id="{B9B5C7C3-D752-4C5F-B9D4-3D900AE22238}" type="datetime1">
               <a:rPr lang="en-US" smtClean="0"/>
+              <a:pPr/>
               <a:t>2/3/2016</a:t>
             </a:fld>
             <a:endParaRPr lang="en-US"/>
@@ -2535,6 +2880,7 @@
           <a:p>
             <a:fld id="{D9A042E9-282B-4C57-BA4A-6CAA8042BC77}" type="datetime1">
               <a:rPr lang="en-US" smtClean="0"/>
+              <a:pPr/>
               <a:t>2/3/2016</a:t>
             </a:fld>
             <a:endParaRPr lang="en-US"/>
@@ -2958,6 +3304,7 @@
           <a:p>
             <a:fld id="{B511BB34-128A-46C8-878A-ADB660625848}" type="datetime1">
               <a:rPr lang="en-US" smtClean="0"/>
+              <a:pPr/>
               <a:t>2/3/2016</a:t>
             </a:fld>
             <a:endParaRPr lang="en-US"/>
@@ -3077,6 +3424,7 @@
           <a:p>
             <a:fld id="{16859FBB-3C0B-4ED4-91BF-8CF6354F264C}" type="datetime1">
               <a:rPr lang="en-US" smtClean="0"/>
+              <a:pPr/>
               <a:t>2/3/2016</a:t>
             </a:fld>
             <a:endParaRPr lang="en-US"/>
@@ -3173,6 +3521,7 @@
           <a:p>
             <a:fld id="{E24D7B17-2B83-459E-B3FE-1EE228EA0040}" type="datetime1">
               <a:rPr lang="en-US" smtClean="0"/>
+              <a:pPr/>
               <a:t>2/3/2016</a:t>
             </a:fld>
             <a:endParaRPr lang="en-US"/>
@@ -3451,6 +3800,7 @@
           <a:p>
             <a:fld id="{17596E10-A314-421D-87A4-68A060B24050}" type="datetime1">
               <a:rPr lang="en-US" smtClean="0"/>
+              <a:pPr/>
               <a:t>2/3/2016</a:t>
             </a:fld>
             <a:endParaRPr lang="en-US"/>
@@ -3705,6 +4055,7 @@
           <a:p>
             <a:fld id="{B4C2BBF0-385C-479F-96DB-DF3543EA7E7D}" type="datetime1">
               <a:rPr lang="en-US" smtClean="0"/>
+              <a:pPr/>
               <a:t>2/3/2016</a:t>
             </a:fld>
             <a:endParaRPr lang="en-US"/>
@@ -3919,6 +4270,7 @@
           <a:p>
             <a:fld id="{E4E1774A-66C6-48F2-820A-9429A605B6CD}" type="datetime1">
               <a:rPr lang="en-US" smtClean="0"/>
+              <a:pPr/>
               <a:t>2/3/2016</a:t>
             </a:fld>
             <a:endParaRPr lang="en-US"/>
@@ -4392,15 +4744,7 @@
                   <a:schemeClr val="tx1"/>
                 </a:solidFill>
               </a:rPr>
-              <a:t> </a:t>
-            </a:r>
-            <a:r>
-              <a:rPr lang="en-US" dirty="0" smtClean="0">
-                <a:solidFill>
-                  <a:schemeClr val="tx1"/>
-                </a:solidFill>
-              </a:rPr>
-              <a:t>Zhou</a:t>
+              <a:t> Zhou</a:t>
             </a:r>
           </a:p>
           <a:p>
@@ -4414,13 +4758,6 @@
               </a:rPr>
               <a:t>Nanofabrication &amp; Electron Transport Laboratory</a:t>
             </a:r>
-            <a:endParaRPr lang="en-US" dirty="0" smtClean="0">
-              <a:solidFill>
-                <a:schemeClr val="bg1">
-                  <a:lumMod val="50000"/>
-                </a:schemeClr>
-              </a:solidFill>
-            </a:endParaRPr>
           </a:p>
           <a:p>
             <a:endParaRPr lang="en-US" dirty="0">
@@ -4495,33 +4832,10 @@
           </a:p>
         </p:txBody>
       </p:sp>
-      <p:sp>
-        <p:nvSpPr>
-          <p:cNvPr id="6" name="Footer Placeholder 5"/>
-          <p:cNvSpPr>
-            <a:spLocks noGrp="1"/>
-          </p:cNvSpPr>
-          <p:nvPr>
-            <p:ph type="ftr" sz="quarter" idx="11"/>
-          </p:nvPr>
-        </p:nvSpPr>
-        <p:spPr/>
-        <p:txBody>
-          <a:bodyPr/>
-          <a:lstStyle/>
-          <a:p>
-            <a:r>
-              <a:rPr lang="en-US" smtClean="0"/>
-              <a:t>1Geim &amp; Novoselov Nature Mat. 2007</a:t>
-            </a:r>
-            <a:endParaRPr lang="en-US"/>
-          </a:p>
-        </p:txBody>
-      </p:sp>
     </p:spTree>
     <p:extLst>
       <p:ext uri="{BB962C8B-B14F-4D97-AF65-F5344CB8AC3E}">
-        <p14:creationId xmlns:p14="http://schemas.microsoft.com/office/powerpoint/2010/main" xmlns="" val="4077747010"/>
+        <p14:creationId xmlns="" xmlns:p14="http://schemas.microsoft.com/office/powerpoint/2010/main" val="4077747010"/>
       </p:ext>
     </p:extLst>
   </p:cSld>
@@ -4529,6 +4843,13 @@
     <a:masterClrMapping/>
   </p:clrMapOvr>
   <p:transition/>
+  <p:timing>
+    <p:tnLst>
+      <p:par>
+        <p:cTn id="1" dur="indefinite" restart="never" nodeType="tmRoot"/>
+      </p:par>
+    </p:tnLst>
+  </p:timing>
 </p:sld>
 </file>
 
@@ -4640,8 +4961,8 @@
         </p:nvSpPr>
         <p:spPr>
           <a:xfrm>
-            <a:off x="228600" y="1981200"/>
-            <a:ext cx="6019800" cy="1200329"/>
+            <a:off x="457200" y="1981200"/>
+            <a:ext cx="7924800" cy="2862322"/>
           </a:xfrm>
           <a:prstGeom prst="rect">
             <a:avLst/>
@@ -4660,21 +4981,53 @@
             </a:pPr>
             <a:r>
               <a:rPr lang="en-US" sz="3600" dirty="0" smtClean="0"/>
-              <a:t>Integer Quantum Hall Effect</a:t>
-            </a:r>
-          </a:p>
-          <a:p>
-            <a:pPr>
+              <a:t>Integer Quantum Hall Effect (IQHE) &amp; </a:t>
+            </a:r>
+            <a:r>
+              <a:rPr lang="en-US" sz="3600" dirty="0" err="1" smtClean="0"/>
+              <a:t>Shubnikov</a:t>
+            </a:r>
+            <a:r>
+              <a:rPr lang="en-US" sz="3600" dirty="0" smtClean="0"/>
+              <a:t>-de Haas (</a:t>
+            </a:r>
+            <a:r>
+              <a:rPr lang="en-US" sz="3600" dirty="0" err="1" smtClean="0"/>
+              <a:t>SdH</a:t>
+            </a:r>
+            <a:r>
+              <a:rPr lang="en-US" sz="3600" dirty="0" smtClean="0"/>
+              <a:t>) oscillations</a:t>
+            </a:r>
+          </a:p>
+          <a:p>
+            <a:pPr lvl="1">
               <a:buFont typeface="Arial" pitchFamily="34" charset="0"/>
               <a:buChar char="•"/>
             </a:pPr>
             <a:r>
-              <a:rPr lang="en-US" sz="3600" dirty="0" err="1" smtClean="0"/>
-              <a:t>Shubnikov</a:t>
-            </a:r>
-            <a:r>
               <a:rPr lang="en-US" sz="3600" dirty="0" smtClean="0"/>
-              <a:t>-de Haas </a:t>
+              <a:t>Low Temperature (&lt; 4K)</a:t>
+            </a:r>
+          </a:p>
+          <a:p>
+            <a:pPr lvl="1">
+              <a:buFont typeface="Arial" pitchFamily="34" charset="0"/>
+              <a:buChar char="•"/>
+            </a:pPr>
+            <a:r>
+              <a:rPr lang="en-US" sz="3600" dirty="0" smtClean="0"/>
+              <a:t>High Magnetic Field (~10 T)</a:t>
+            </a:r>
+          </a:p>
+          <a:p>
+            <a:pPr lvl="1">
+              <a:buFont typeface="Arial" pitchFamily="34" charset="0"/>
+              <a:buChar char="•"/>
+            </a:pPr>
+            <a:r>
+              <a:rPr lang="en-US" sz="3600" dirty="0" smtClean="0"/>
+              <a:t>High µ at Low T Required </a:t>
             </a:r>
             <a:endParaRPr lang="en-US" sz="3600" dirty="0"/>
           </a:p>
@@ -4683,7 +5036,7 @@
     </p:spTree>
     <p:extLst>
       <p:ext uri="{BB962C8B-B14F-4D97-AF65-F5344CB8AC3E}">
-        <p14:creationId xmlns:p14="http://schemas.microsoft.com/office/powerpoint/2010/main" xmlns="" val="4024764280"/>
+        <p14:creationId xmlns="" xmlns:p14="http://schemas.microsoft.com/office/powerpoint/2010/main" val="4024764280"/>
       </p:ext>
     </p:extLst>
   </p:cSld>
@@ -4791,7 +5144,7 @@
                   <a:schemeClr val="bg1"/>
                 </a:solidFill>
               </a:rPr>
-              <a:t>Results</a:t>
+              <a:t>IQHE</a:t>
             </a:r>
             <a:endParaRPr lang="en-US" sz="4800" b="1" dirty="0">
               <a:solidFill>
@@ -4801,10 +5154,34 @@
           </a:p>
         </p:txBody>
       </p:sp>
+      <p:pic>
+        <p:nvPicPr>
+          <p:cNvPr id="8" name="Picture 7" descr="iqhe_InGaAs_hetero.png"/>
+          <p:cNvPicPr>
+            <a:picLocks noChangeAspect="1"/>
+          </p:cNvPicPr>
+          <p:nvPr/>
+        </p:nvPicPr>
+        <p:blipFill>
+          <a:blip r:embed="rId4"/>
+          <a:stretch>
+            <a:fillRect/>
+          </a:stretch>
+        </p:blipFill>
+        <p:spPr>
+          <a:xfrm>
+            <a:off x="1066800" y="1828799"/>
+            <a:ext cx="7010400" cy="5007429"/>
+          </a:xfrm>
+          <a:prstGeom prst="rect">
+            <a:avLst/>
+          </a:prstGeom>
+        </p:spPr>
+      </p:pic>
     </p:spTree>
     <p:extLst>
       <p:ext uri="{BB962C8B-B14F-4D97-AF65-F5344CB8AC3E}">
-        <p14:creationId xmlns:p14="http://schemas.microsoft.com/office/powerpoint/2010/main" xmlns="" val="4024764280"/>
+        <p14:creationId xmlns="" xmlns:p14="http://schemas.microsoft.com/office/powerpoint/2010/main" val="4024764280"/>
       </p:ext>
     </p:extLst>
   </p:cSld>
@@ -4907,12 +5284,28 @@
           <a:p>
             <a:pPr algn="ctr"/>
             <a:r>
+              <a:rPr lang="en-US" sz="4800" b="1" dirty="0" err="1" smtClean="0">
+                <a:solidFill>
+                  <a:schemeClr val="bg1"/>
+                </a:solidFill>
+              </a:rPr>
+              <a:t>SdH</a:t>
+            </a:r>
+            <a:r>
               <a:rPr lang="en-US" sz="4800" b="1" dirty="0" smtClean="0">
                 <a:solidFill>
                   <a:schemeClr val="bg1"/>
                 </a:solidFill>
               </a:rPr>
-              <a:t>Results</a:t>
+              <a:t> &amp; IQHE in MoS</a:t>
+            </a:r>
+            <a:r>
+              <a:rPr lang="en-US" sz="4800" b="1" baseline="-25000" dirty="0" smtClean="0">
+                <a:solidFill>
+                  <a:schemeClr val="bg1"/>
+                </a:solidFill>
+              </a:rPr>
+              <a:t>2</a:t>
             </a:r>
             <a:endParaRPr lang="en-US" sz="4800" b="1" dirty="0">
               <a:solidFill>
@@ -4922,10 +5315,1404 @@
           </a:p>
         </p:txBody>
       </p:sp>
+      <p:pic>
+        <p:nvPicPr>
+          <p:cNvPr id="6" name="Picture 5" descr="mos2_SdH_oscillations.PNG"/>
+          <p:cNvPicPr>
+            <a:picLocks noChangeAspect="1"/>
+          </p:cNvPicPr>
+          <p:nvPr/>
+        </p:nvPicPr>
+        <p:blipFill>
+          <a:blip r:embed="rId4"/>
+          <a:stretch>
+            <a:fillRect/>
+          </a:stretch>
+        </p:blipFill>
+        <p:spPr>
+          <a:xfrm>
+            <a:off x="1483322" y="1752600"/>
+            <a:ext cx="6177357" cy="4427279"/>
+          </a:xfrm>
+          <a:prstGeom prst="rect">
+            <a:avLst/>
+          </a:prstGeom>
+        </p:spPr>
+      </p:pic>
+      <p:sp>
+        <p:nvSpPr>
+          <p:cNvPr id="8" name="Footer Placeholder 7"/>
+          <p:cNvSpPr>
+            <a:spLocks noGrp="1"/>
+          </p:cNvSpPr>
+          <p:nvPr>
+            <p:ph type="ftr" sz="quarter" idx="11"/>
+          </p:nvPr>
+        </p:nvSpPr>
+        <p:spPr>
+          <a:xfrm>
+            <a:off x="0" y="6356350"/>
+            <a:ext cx="2895600" cy="365125"/>
+          </a:xfrm>
+        </p:spPr>
+        <p:txBody>
+          <a:bodyPr anchor="b"/>
+          <a:lstStyle/>
+          <a:p>
+            <a:pPr algn="l"/>
+            <a:r>
+              <a:rPr lang="it-IT" sz="1600" baseline="30000" dirty="0" smtClean="0">
+                <a:solidFill>
+                  <a:schemeClr val="tx1"/>
+                </a:solidFill>
+              </a:rPr>
+              <a:t>4</a:t>
+            </a:r>
+            <a:r>
+              <a:rPr lang="it-IT" sz="1600" dirty="0" smtClean="0">
+                <a:solidFill>
+                  <a:schemeClr val="tx1"/>
+                </a:solidFill>
+              </a:rPr>
+              <a:t>Cui et al. Nature Nano. (2015)</a:t>
+            </a:r>
+            <a:endParaRPr lang="en-US" sz="1600" dirty="0">
+              <a:solidFill>
+                <a:schemeClr val="tx1"/>
+              </a:solidFill>
+            </a:endParaRPr>
+          </a:p>
+        </p:txBody>
+      </p:sp>
     </p:spTree>
     <p:extLst>
       <p:ext uri="{BB962C8B-B14F-4D97-AF65-F5344CB8AC3E}">
-        <p14:creationId xmlns:p14="http://schemas.microsoft.com/office/powerpoint/2010/main" xmlns="" val="4024764280"/>
+        <p14:creationId xmlns="" xmlns:p14="http://schemas.microsoft.com/office/powerpoint/2010/main" val="4024764280"/>
+      </p:ext>
+    </p:extLst>
+  </p:cSld>
+  <p:clrMapOvr>
+    <a:masterClrMapping/>
+  </p:clrMapOvr>
+  <p:transition/>
+  <p:timing>
+    <p:tnLst>
+      <p:par>
+        <p:cTn id="1" dur="indefinite" restart="never" nodeType="tmRoot"/>
+      </p:par>
+    </p:tnLst>
+  </p:timing>
+</p:sld>
+</file>
+
+<file path=ppt/slides/slide13.xml><?xml version="1.0" encoding="utf-8"?>
+<p:sld xmlns:a="http://schemas.openxmlformats.org/drawingml/2006/main" xmlns:r="http://schemas.openxmlformats.org/officeDocument/2006/relationships" xmlns:p="http://schemas.openxmlformats.org/presentationml/2006/main">
+  <p:cSld>
+    <p:spTree>
+      <p:nvGrpSpPr>
+        <p:cNvPr id="1" name=""/>
+        <p:cNvGrpSpPr/>
+        <p:nvPr/>
+      </p:nvGrpSpPr>
+      <p:grpSpPr>
+        <a:xfrm>
+          <a:off x="0" y="0"/>
+          <a:ext cx="0" cy="0"/>
+          <a:chOff x="0" y="0"/>
+          <a:chExt cx="0" cy="0"/>
+        </a:xfrm>
+      </p:grpSpPr>
+      <p:sp>
+        <p:nvSpPr>
+          <p:cNvPr id="2" name="Title 1"/>
+          <p:cNvSpPr>
+            <a:spLocks noGrp="1"/>
+          </p:cNvSpPr>
+          <p:nvPr>
+            <p:ph type="title"/>
+          </p:nvPr>
+        </p:nvSpPr>
+        <p:spPr/>
+        <p:txBody>
+          <a:bodyPr/>
+          <a:lstStyle/>
+          <a:p>
+            <a:endParaRPr lang="en-US" dirty="0"/>
+          </a:p>
+        </p:txBody>
+      </p:sp>
+      <p:pic>
+        <p:nvPicPr>
+          <p:cNvPr id="4" name="Content Placeholder 3" descr="CLASpowerpoint2_head.jpg"/>
+          <p:cNvPicPr>
+            <a:picLocks noChangeAspect="1"/>
+          </p:cNvPicPr>
+          <p:nvPr/>
+        </p:nvPicPr>
+        <p:blipFill>
+          <a:blip r:embed="rId3"/>
+          <a:srcRect t="-90296" b="-90296"/>
+          <a:stretch>
+            <a:fillRect/>
+          </a:stretch>
+        </p:blipFill>
+        <p:spPr>
+          <a:xfrm>
+            <a:off x="4354" y="-1668462"/>
+            <a:ext cx="9144640" cy="5029200"/>
+          </a:xfrm>
+          <a:prstGeom prst="rect">
+            <a:avLst/>
+          </a:prstGeom>
+        </p:spPr>
+      </p:pic>
+      <p:sp>
+        <p:nvSpPr>
+          <p:cNvPr id="5" name="TextBox 4"/>
+          <p:cNvSpPr txBox="1"/>
+          <p:nvPr/>
+        </p:nvSpPr>
+        <p:spPr>
+          <a:xfrm>
+            <a:off x="2209800" y="457200"/>
+            <a:ext cx="5943600" cy="830997"/>
+          </a:xfrm>
+          <a:prstGeom prst="rect">
+            <a:avLst/>
+          </a:prstGeom>
+          <a:noFill/>
+        </p:spPr>
+        <p:txBody>
+          <a:bodyPr wrap="square" rtlCol="0">
+            <a:spAutoFit/>
+          </a:bodyPr>
+          <a:lstStyle/>
+          <a:p>
+            <a:pPr algn="ctr"/>
+            <a:r>
+              <a:rPr lang="en-US" sz="4800" b="1" dirty="0" err="1" smtClean="0">
+                <a:solidFill>
+                  <a:schemeClr val="bg1"/>
+                </a:solidFill>
+              </a:rPr>
+              <a:t>SdH</a:t>
+            </a:r>
+            <a:r>
+              <a:rPr lang="en-US" sz="4800" b="1" dirty="0" smtClean="0">
+                <a:solidFill>
+                  <a:schemeClr val="bg1"/>
+                </a:solidFill>
+              </a:rPr>
+              <a:t> Oscillations</a:t>
+            </a:r>
+            <a:endParaRPr lang="en-US" sz="4800" b="1" dirty="0">
+              <a:solidFill>
+                <a:schemeClr val="bg1"/>
+              </a:solidFill>
+            </a:endParaRPr>
+          </a:p>
+        </p:txBody>
+      </p:sp>
+      <p:sp>
+        <p:nvSpPr>
+          <p:cNvPr id="6" name="TextBox 5"/>
+          <p:cNvSpPr txBox="1"/>
+          <p:nvPr/>
+        </p:nvSpPr>
+        <p:spPr>
+          <a:xfrm>
+            <a:off x="457200" y="2057401"/>
+            <a:ext cx="8229600" cy="2677656"/>
+          </a:xfrm>
+          <a:prstGeom prst="rect">
+            <a:avLst/>
+          </a:prstGeom>
+          <a:noFill/>
+        </p:spPr>
+        <p:txBody>
+          <a:bodyPr wrap="square" rtlCol="0">
+            <a:spAutoFit/>
+          </a:bodyPr>
+          <a:lstStyle/>
+          <a:p>
+            <a:pPr>
+              <a:buFont typeface="Arial" pitchFamily="34" charset="0"/>
+              <a:buChar char="•"/>
+            </a:pPr>
+            <a:r>
+              <a:rPr lang="en-US" sz="2800" dirty="0" smtClean="0"/>
+              <a:t>Cyclotron mass of electrons and holes</a:t>
+            </a:r>
+          </a:p>
+          <a:p>
+            <a:pPr>
+              <a:buFont typeface="Arial" pitchFamily="34" charset="0"/>
+              <a:buChar char="•"/>
+            </a:pPr>
+            <a:r>
+              <a:rPr lang="en-US" sz="2800" dirty="0" smtClean="0"/>
+              <a:t>Carrier lifetimes</a:t>
+            </a:r>
+          </a:p>
+          <a:p>
+            <a:pPr lvl="1"/>
+            <a:r>
+              <a:rPr lang="el-GR" sz="2800" dirty="0" smtClean="0"/>
+              <a:t>τ</a:t>
+            </a:r>
+            <a:r>
+              <a:rPr lang="en-US" sz="2800" baseline="-25000" dirty="0" smtClean="0"/>
+              <a:t>q</a:t>
+            </a:r>
+            <a:r>
+              <a:rPr lang="en-US" sz="2800" dirty="0" smtClean="0"/>
+              <a:t> = 0.18 </a:t>
+            </a:r>
+            <a:r>
+              <a:rPr lang="en-US" sz="2800" dirty="0" err="1" smtClean="0"/>
+              <a:t>ps</a:t>
+            </a:r>
+            <a:r>
+              <a:rPr lang="en-US" sz="2800" dirty="0" smtClean="0"/>
+              <a:t> in 1L MoS</a:t>
+            </a:r>
+            <a:r>
+              <a:rPr lang="en-US" sz="2800" baseline="-25000" dirty="0" smtClean="0"/>
+              <a:t>2</a:t>
+            </a:r>
+            <a:r>
+              <a:rPr lang="en-US" sz="2800" baseline="30000" dirty="0" smtClean="0"/>
+              <a:t>4 </a:t>
+            </a:r>
+            <a:r>
+              <a:rPr lang="en-US" sz="2800" dirty="0" smtClean="0"/>
+              <a:t>&amp;</a:t>
+            </a:r>
+            <a:r>
+              <a:rPr lang="en-US" sz="2800" baseline="30000" dirty="0" smtClean="0"/>
+              <a:t> </a:t>
+            </a:r>
+            <a:r>
+              <a:rPr lang="el-GR" sz="2800" dirty="0" smtClean="0"/>
+              <a:t>τ</a:t>
+            </a:r>
+            <a:r>
+              <a:rPr lang="en-US" sz="2800" baseline="-25000" dirty="0" smtClean="0"/>
+              <a:t>q </a:t>
+            </a:r>
+            <a:r>
+              <a:rPr lang="en-US" sz="2800" dirty="0" smtClean="0"/>
+              <a:t>= 0.12 </a:t>
+            </a:r>
+            <a:r>
+              <a:rPr lang="en-US" sz="2800" dirty="0" err="1" smtClean="0"/>
+              <a:t>ps</a:t>
+            </a:r>
+            <a:r>
+              <a:rPr lang="en-US" sz="2800" dirty="0" smtClean="0"/>
+              <a:t> in ~10 nm BP</a:t>
+            </a:r>
+            <a:r>
+              <a:rPr lang="en-US" sz="2800" baseline="30000" dirty="0" smtClean="0"/>
+              <a:t>5</a:t>
+            </a:r>
+            <a:r>
+              <a:rPr lang="en-US" sz="2800" dirty="0" smtClean="0"/>
+              <a:t> </a:t>
+            </a:r>
+          </a:p>
+          <a:p>
+            <a:pPr>
+              <a:buFont typeface="Arial" pitchFamily="34" charset="0"/>
+              <a:buChar char="•"/>
+            </a:pPr>
+            <a:r>
+              <a:rPr lang="en-US" sz="2800" dirty="0" smtClean="0"/>
+              <a:t>A</a:t>
+            </a:r>
+          </a:p>
+          <a:p>
+            <a:endParaRPr lang="en-US" sz="2800" dirty="0" smtClean="0"/>
+          </a:p>
+          <a:p>
+            <a:endParaRPr lang="en-US" sz="2800" dirty="0"/>
+          </a:p>
+        </p:txBody>
+      </p:sp>
+      <p:sp>
+        <p:nvSpPr>
+          <p:cNvPr id="7" name="Footer Placeholder 6"/>
+          <p:cNvSpPr>
+            <a:spLocks noGrp="1"/>
+          </p:cNvSpPr>
+          <p:nvPr>
+            <p:ph type="ftr" sz="quarter" idx="11"/>
+          </p:nvPr>
+        </p:nvSpPr>
+        <p:spPr>
+          <a:xfrm>
+            <a:off x="0" y="6356350"/>
+            <a:ext cx="2895600" cy="365125"/>
+          </a:xfrm>
+        </p:spPr>
+        <p:txBody>
+          <a:bodyPr/>
+          <a:lstStyle/>
+          <a:p>
+            <a:pPr algn="l"/>
+            <a:r>
+              <a:rPr lang="it-IT" sz="1600" baseline="30000" dirty="0" smtClean="0">
+                <a:solidFill>
+                  <a:schemeClr val="tx1"/>
+                </a:solidFill>
+              </a:rPr>
+              <a:t>4</a:t>
+            </a:r>
+            <a:r>
+              <a:rPr lang="it-IT" sz="1600" dirty="0" smtClean="0">
+                <a:solidFill>
+                  <a:schemeClr val="tx1"/>
+                </a:solidFill>
+              </a:rPr>
+              <a:t>Cui </a:t>
+            </a:r>
+            <a:r>
+              <a:rPr lang="it-IT" sz="1600" i="1" dirty="0" smtClean="0">
+                <a:solidFill>
+                  <a:schemeClr val="tx1"/>
+                </a:solidFill>
+              </a:rPr>
+              <a:t>et al.</a:t>
+            </a:r>
+            <a:r>
+              <a:rPr lang="it-IT" sz="1600" dirty="0" smtClean="0">
+                <a:solidFill>
+                  <a:schemeClr val="tx1"/>
+                </a:solidFill>
+              </a:rPr>
+              <a:t> Nature Nano. (2015)</a:t>
+            </a:r>
+            <a:endParaRPr lang="en-US" sz="1600" dirty="0" smtClean="0">
+              <a:solidFill>
+                <a:schemeClr val="tx1"/>
+              </a:solidFill>
+            </a:endParaRPr>
+          </a:p>
+          <a:p>
+            <a:pPr algn="l"/>
+            <a:r>
+              <a:rPr lang="it-IT" sz="1600" baseline="30000" dirty="0" smtClean="0">
+                <a:solidFill>
+                  <a:schemeClr val="tx1"/>
+                </a:solidFill>
+              </a:rPr>
+              <a:t>5</a:t>
+            </a:r>
+            <a:r>
+              <a:rPr lang="it-IT" sz="1600" dirty="0" smtClean="0">
+                <a:solidFill>
+                  <a:schemeClr val="tx1"/>
+                </a:solidFill>
+              </a:rPr>
+              <a:t>Li </a:t>
+            </a:r>
+            <a:r>
+              <a:rPr lang="it-IT" sz="1600" i="1" dirty="0" smtClean="0">
+                <a:solidFill>
+                  <a:schemeClr val="tx1"/>
+                </a:solidFill>
+              </a:rPr>
+              <a:t>et al.</a:t>
+            </a:r>
+            <a:r>
+              <a:rPr lang="it-IT" sz="1600" dirty="0" smtClean="0">
+                <a:solidFill>
+                  <a:schemeClr val="tx1"/>
+                </a:solidFill>
+              </a:rPr>
+              <a:t> Nature Nano. (2015)</a:t>
+            </a:r>
+          </a:p>
+        </p:txBody>
+      </p:sp>
+    </p:spTree>
+    <p:extLst>
+      <p:ext uri="{BB962C8B-B14F-4D97-AF65-F5344CB8AC3E}">
+        <p14:creationId xmlns="" xmlns:p14="http://schemas.microsoft.com/office/powerpoint/2010/main" val="4024764280"/>
+      </p:ext>
+    </p:extLst>
+  </p:cSld>
+  <p:clrMapOvr>
+    <a:masterClrMapping/>
+  </p:clrMapOvr>
+  <p:transition/>
+  <p:timing>
+    <p:tnLst>
+      <p:par>
+        <p:cTn id="1" dur="indefinite" restart="never" nodeType="tmRoot"/>
+      </p:par>
+    </p:tnLst>
+  </p:timing>
+</p:sld>
+</file>
+
+<file path=ppt/slides/slide14.xml><?xml version="1.0" encoding="utf-8"?>
+<p:sld xmlns:a="http://schemas.openxmlformats.org/drawingml/2006/main" xmlns:r="http://schemas.openxmlformats.org/officeDocument/2006/relationships" xmlns:p="http://schemas.openxmlformats.org/presentationml/2006/main">
+  <p:cSld>
+    <p:spTree>
+      <p:nvGrpSpPr>
+        <p:cNvPr id="1" name=""/>
+        <p:cNvGrpSpPr/>
+        <p:nvPr/>
+      </p:nvGrpSpPr>
+      <p:grpSpPr>
+        <a:xfrm>
+          <a:off x="0" y="0"/>
+          <a:ext cx="0" cy="0"/>
+          <a:chOff x="0" y="0"/>
+          <a:chExt cx="0" cy="0"/>
+        </a:xfrm>
+      </p:grpSpPr>
+      <p:sp>
+        <p:nvSpPr>
+          <p:cNvPr id="2" name="Title 1"/>
+          <p:cNvSpPr>
+            <a:spLocks noGrp="1"/>
+          </p:cNvSpPr>
+          <p:nvPr>
+            <p:ph type="title"/>
+          </p:nvPr>
+        </p:nvSpPr>
+        <p:spPr/>
+        <p:txBody>
+          <a:bodyPr/>
+          <a:lstStyle/>
+          <a:p>
+            <a:endParaRPr lang="en-US" dirty="0"/>
+          </a:p>
+        </p:txBody>
+      </p:sp>
+      <p:pic>
+        <p:nvPicPr>
+          <p:cNvPr id="4" name="Content Placeholder 3" descr="CLASpowerpoint2_head.jpg"/>
+          <p:cNvPicPr>
+            <a:picLocks noChangeAspect="1"/>
+          </p:cNvPicPr>
+          <p:nvPr/>
+        </p:nvPicPr>
+        <p:blipFill>
+          <a:blip r:embed="rId3"/>
+          <a:srcRect t="-90296" b="-90296"/>
+          <a:stretch>
+            <a:fillRect/>
+          </a:stretch>
+        </p:blipFill>
+        <p:spPr>
+          <a:xfrm>
+            <a:off x="4354" y="-1668462"/>
+            <a:ext cx="9144640" cy="5029200"/>
+          </a:xfrm>
+          <a:prstGeom prst="rect">
+            <a:avLst/>
+          </a:prstGeom>
+        </p:spPr>
+      </p:pic>
+      <p:sp>
+        <p:nvSpPr>
+          <p:cNvPr id="5" name="TextBox 4"/>
+          <p:cNvSpPr txBox="1"/>
+          <p:nvPr/>
+        </p:nvSpPr>
+        <p:spPr>
+          <a:xfrm>
+            <a:off x="2209800" y="457200"/>
+            <a:ext cx="5943600" cy="830997"/>
+          </a:xfrm>
+          <a:prstGeom prst="rect">
+            <a:avLst/>
+          </a:prstGeom>
+          <a:noFill/>
+        </p:spPr>
+        <p:txBody>
+          <a:bodyPr wrap="square" rtlCol="0">
+            <a:spAutoFit/>
+          </a:bodyPr>
+          <a:lstStyle/>
+          <a:p>
+            <a:pPr algn="ctr"/>
+            <a:r>
+              <a:rPr lang="en-US" sz="4800" b="1" dirty="0" smtClean="0">
+                <a:solidFill>
+                  <a:schemeClr val="bg1"/>
+                </a:solidFill>
+              </a:rPr>
+              <a:t>Performance Limits</a:t>
+            </a:r>
+            <a:endParaRPr lang="en-US" sz="4800" b="1" dirty="0">
+              <a:solidFill>
+                <a:schemeClr val="bg1"/>
+              </a:solidFill>
+            </a:endParaRPr>
+          </a:p>
+        </p:txBody>
+      </p:sp>
+      <p:sp>
+        <p:nvSpPr>
+          <p:cNvPr id="6" name="TextBox 5"/>
+          <p:cNvSpPr txBox="1"/>
+          <p:nvPr/>
+        </p:nvSpPr>
+        <p:spPr>
+          <a:xfrm>
+            <a:off x="457200" y="1828800"/>
+            <a:ext cx="7924800" cy="3416320"/>
+          </a:xfrm>
+          <a:prstGeom prst="rect">
+            <a:avLst/>
+          </a:prstGeom>
+          <a:noFill/>
+        </p:spPr>
+        <p:txBody>
+          <a:bodyPr wrap="square" rtlCol="0" anchor="ctr">
+            <a:spAutoFit/>
+          </a:bodyPr>
+          <a:lstStyle/>
+          <a:p>
+            <a:pPr>
+              <a:buFont typeface="Arial" pitchFamily="34" charset="0"/>
+              <a:buChar char="•"/>
+            </a:pPr>
+            <a:r>
+              <a:rPr lang="en-US" sz="3600" dirty="0" smtClean="0"/>
+              <a:t>Theoretical 1L mobility at T=295K</a:t>
+            </a:r>
+            <a:r>
+              <a:rPr lang="en-US" sz="3600" baseline="30000" dirty="0" smtClean="0"/>
+              <a:t>6</a:t>
+            </a:r>
+            <a:endParaRPr lang="en-US" sz="3600" dirty="0" smtClean="0"/>
+          </a:p>
+          <a:p>
+            <a:pPr lvl="1">
+              <a:buFont typeface="Arial" pitchFamily="34" charset="0"/>
+              <a:buChar char="•"/>
+            </a:pPr>
+            <a:r>
+              <a:rPr lang="en-US" sz="3600" dirty="0" smtClean="0"/>
+              <a:t>~320-410 cm</a:t>
+            </a:r>
+            <a:r>
+              <a:rPr lang="en-US" sz="3600" baseline="30000" dirty="0" smtClean="0"/>
+              <a:t>2</a:t>
+            </a:r>
+            <a:r>
+              <a:rPr lang="en-US" sz="3600" dirty="0" smtClean="0"/>
+              <a:t>V</a:t>
+            </a:r>
+            <a:r>
+              <a:rPr lang="en-US" sz="3600" baseline="30000" dirty="0" smtClean="0"/>
+              <a:t>-1</a:t>
+            </a:r>
+            <a:r>
+              <a:rPr lang="en-US" sz="3600" dirty="0" smtClean="0"/>
+              <a:t>s</a:t>
+            </a:r>
+            <a:r>
+              <a:rPr lang="en-US" sz="3600" baseline="30000" dirty="0" smtClean="0"/>
+              <a:t>-1</a:t>
+            </a:r>
+            <a:endParaRPr lang="en-US" sz="3600" dirty="0" smtClean="0"/>
+          </a:p>
+          <a:p>
+            <a:pPr>
+              <a:buFont typeface="Arial" pitchFamily="34" charset="0"/>
+              <a:buChar char="•"/>
+            </a:pPr>
+            <a:r>
+              <a:rPr lang="en-US" sz="3600" dirty="0" smtClean="0"/>
+              <a:t>Experimental mobility at T=295K</a:t>
+            </a:r>
+            <a:r>
+              <a:rPr lang="en-US" sz="3600" baseline="30000" dirty="0" smtClean="0"/>
+              <a:t>7</a:t>
+            </a:r>
+            <a:endParaRPr lang="en-US" sz="3600" dirty="0" smtClean="0"/>
+          </a:p>
+          <a:p>
+            <a:pPr lvl="1">
+              <a:buFont typeface="Arial" pitchFamily="34" charset="0"/>
+              <a:buChar char="•"/>
+            </a:pPr>
+            <a:r>
+              <a:rPr lang="en-US" sz="3600" dirty="0" smtClean="0"/>
+              <a:t>~200 </a:t>
+            </a:r>
+            <a:r>
+              <a:rPr lang="en-US" sz="3600" dirty="0" smtClean="0"/>
+              <a:t>cm</a:t>
+            </a:r>
+            <a:r>
+              <a:rPr lang="en-US" sz="3600" baseline="30000" dirty="0" smtClean="0"/>
+              <a:t>2</a:t>
+            </a:r>
+            <a:r>
+              <a:rPr lang="en-US" sz="3600" dirty="0" smtClean="0"/>
+              <a:t>V</a:t>
+            </a:r>
+            <a:r>
+              <a:rPr lang="en-US" sz="3600" baseline="30000" dirty="0" smtClean="0"/>
+              <a:t>-1</a:t>
+            </a:r>
+            <a:r>
+              <a:rPr lang="en-US" sz="3600" dirty="0" smtClean="0"/>
+              <a:t>s</a:t>
+            </a:r>
+            <a:r>
+              <a:rPr lang="en-US" sz="3600" baseline="30000" dirty="0" smtClean="0"/>
+              <a:t>-1</a:t>
+            </a:r>
+            <a:endParaRPr lang="en-US" sz="3600" dirty="0" smtClean="0"/>
+          </a:p>
+          <a:p>
+            <a:pPr>
+              <a:buFont typeface="Arial" pitchFamily="34" charset="0"/>
+              <a:buChar char="•"/>
+            </a:pPr>
+            <a:r>
+              <a:rPr lang="en-US" sz="3600" dirty="0" smtClean="0"/>
+              <a:t>I</a:t>
+            </a:r>
+            <a:r>
+              <a:rPr lang="en-US" sz="3600" baseline="-25000" dirty="0" smtClean="0"/>
+              <a:t>on</a:t>
+            </a:r>
+            <a:r>
+              <a:rPr lang="en-US" sz="3600" dirty="0" smtClean="0"/>
+              <a:t>/</a:t>
+            </a:r>
+            <a:r>
+              <a:rPr lang="en-US" sz="3600" dirty="0" err="1" smtClean="0"/>
+              <a:t>I</a:t>
+            </a:r>
+            <a:r>
+              <a:rPr lang="en-US" sz="3600" baseline="-25000" dirty="0" err="1" smtClean="0"/>
+              <a:t>off</a:t>
+            </a:r>
+            <a:r>
+              <a:rPr lang="en-US" sz="3600" baseline="-25000" dirty="0" smtClean="0"/>
+              <a:t> </a:t>
+            </a:r>
+            <a:r>
+              <a:rPr lang="en-US" sz="3600" dirty="0" smtClean="0"/>
+              <a:t>&gt; 10</a:t>
+            </a:r>
+            <a:r>
+              <a:rPr lang="en-US" sz="3600" baseline="30000" dirty="0" smtClean="0"/>
+              <a:t>7</a:t>
+            </a:r>
+            <a:r>
+              <a:rPr lang="en-US" sz="3600" dirty="0" smtClean="0"/>
+              <a:t>, I</a:t>
+            </a:r>
+            <a:r>
+              <a:rPr lang="en-US" sz="3600" baseline="-25000" dirty="0" smtClean="0"/>
+              <a:t>on</a:t>
+            </a:r>
+            <a:r>
+              <a:rPr lang="en-US" sz="3600" dirty="0" smtClean="0"/>
+              <a:t> ~ 300 </a:t>
+            </a:r>
+            <a:r>
+              <a:rPr lang="el-GR" sz="3600" dirty="0" smtClean="0"/>
+              <a:t>μ</a:t>
+            </a:r>
+            <a:r>
+              <a:rPr lang="en-US" sz="3600" dirty="0" smtClean="0"/>
+              <a:t>A/</a:t>
+            </a:r>
+            <a:r>
+              <a:rPr lang="el-GR" sz="3600" dirty="0" smtClean="0"/>
+              <a:t>μ</a:t>
+            </a:r>
+            <a:r>
+              <a:rPr lang="en-US" sz="3600" dirty="0" smtClean="0"/>
+              <a:t>m</a:t>
+            </a:r>
+          </a:p>
+          <a:p>
+            <a:pPr>
+              <a:buFont typeface="Arial" pitchFamily="34" charset="0"/>
+              <a:buChar char="•"/>
+            </a:pPr>
+            <a:r>
+              <a:rPr lang="en-US" sz="3600" dirty="0" smtClean="0"/>
+              <a:t>How to close theoretical/experiment gap</a:t>
+            </a:r>
+            <a:endParaRPr lang="en-US" sz="3600" dirty="0"/>
+          </a:p>
+        </p:txBody>
+      </p:sp>
+      <p:sp>
+        <p:nvSpPr>
+          <p:cNvPr id="7" name="Footer Placeholder 6"/>
+          <p:cNvSpPr>
+            <a:spLocks noGrp="1"/>
+          </p:cNvSpPr>
+          <p:nvPr>
+            <p:ph type="ftr" sz="quarter" idx="11"/>
+          </p:nvPr>
+        </p:nvSpPr>
+        <p:spPr>
+          <a:xfrm>
+            <a:off x="0" y="6356350"/>
+            <a:ext cx="3276600" cy="365125"/>
+          </a:xfrm>
+        </p:spPr>
+        <p:txBody>
+          <a:bodyPr anchor="b"/>
+          <a:lstStyle/>
+          <a:p>
+            <a:pPr algn="l"/>
+            <a:r>
+              <a:rPr lang="da-DK" sz="1600" baseline="30000" dirty="0" smtClean="0">
+                <a:solidFill>
+                  <a:schemeClr val="tx1"/>
+                </a:solidFill>
+              </a:rPr>
+              <a:t>6</a:t>
+            </a:r>
+            <a:r>
+              <a:rPr lang="da-DK" sz="1600" dirty="0" smtClean="0">
+                <a:solidFill>
+                  <a:schemeClr val="tx1"/>
+                </a:solidFill>
+              </a:rPr>
+              <a:t>Kaasbjerg </a:t>
+            </a:r>
+            <a:r>
+              <a:rPr lang="da-DK" sz="1600" i="1" dirty="0" smtClean="0">
+                <a:solidFill>
+                  <a:schemeClr val="tx1"/>
+                </a:solidFill>
+              </a:rPr>
+              <a:t>et al.</a:t>
+            </a:r>
+            <a:r>
+              <a:rPr lang="da-DK" sz="1600" dirty="0" smtClean="0">
+                <a:solidFill>
+                  <a:schemeClr val="tx1"/>
+                </a:solidFill>
+              </a:rPr>
+              <a:t> Phys. Rev. B (2012)</a:t>
+            </a:r>
+          </a:p>
+          <a:p>
+            <a:pPr algn="l"/>
+            <a:r>
+              <a:rPr lang="da-DK" sz="1600" baseline="30000" dirty="0" smtClean="0">
+                <a:solidFill>
+                  <a:schemeClr val="tx1"/>
+                </a:solidFill>
+              </a:rPr>
+              <a:t>7</a:t>
+            </a:r>
+            <a:r>
+              <a:rPr lang="da-DK" sz="1600" dirty="0" smtClean="0">
+                <a:solidFill>
+                  <a:schemeClr val="tx1"/>
+                </a:solidFill>
+              </a:rPr>
+              <a:t>Das </a:t>
+            </a:r>
+            <a:r>
+              <a:rPr lang="da-DK" sz="1600" i="1" dirty="0" smtClean="0">
+                <a:solidFill>
+                  <a:schemeClr val="tx1"/>
+                </a:solidFill>
+              </a:rPr>
+              <a:t>et al.</a:t>
+            </a:r>
+            <a:r>
+              <a:rPr lang="da-DK" sz="1600" dirty="0" smtClean="0">
+                <a:solidFill>
+                  <a:schemeClr val="tx1"/>
+                </a:solidFill>
+              </a:rPr>
+              <a:t> Nano Lett. (2014)</a:t>
+            </a:r>
+            <a:endParaRPr lang="en-US" sz="1600" baseline="30000" dirty="0">
+              <a:solidFill>
+                <a:schemeClr val="tx1"/>
+              </a:solidFill>
+            </a:endParaRPr>
+          </a:p>
+        </p:txBody>
+      </p:sp>
+    </p:spTree>
+    <p:extLst>
+      <p:ext uri="{BB962C8B-B14F-4D97-AF65-F5344CB8AC3E}">
+        <p14:creationId xmlns="" xmlns:p14="http://schemas.microsoft.com/office/powerpoint/2010/main" val="4024764280"/>
+      </p:ext>
+    </p:extLst>
+  </p:cSld>
+  <p:clrMapOvr>
+    <a:masterClrMapping/>
+  </p:clrMapOvr>
+  <p:transition/>
+  <p:timing>
+    <p:tnLst>
+      <p:par>
+        <p:cTn id="1" dur="indefinite" restart="never" nodeType="tmRoot"/>
+      </p:par>
+    </p:tnLst>
+  </p:timing>
+</p:sld>
+</file>
+
+<file path=ppt/slides/slide15.xml><?xml version="1.0" encoding="utf-8"?>
+<p:sld xmlns:a="http://schemas.openxmlformats.org/drawingml/2006/main" xmlns:r="http://schemas.openxmlformats.org/officeDocument/2006/relationships" xmlns:p="http://schemas.openxmlformats.org/presentationml/2006/main">
+  <p:cSld>
+    <p:spTree>
+      <p:nvGrpSpPr>
+        <p:cNvPr id="1" name=""/>
+        <p:cNvGrpSpPr/>
+        <p:nvPr/>
+      </p:nvGrpSpPr>
+      <p:grpSpPr>
+        <a:xfrm>
+          <a:off x="0" y="0"/>
+          <a:ext cx="0" cy="0"/>
+          <a:chOff x="0" y="0"/>
+          <a:chExt cx="0" cy="0"/>
+        </a:xfrm>
+      </p:grpSpPr>
+      <p:sp>
+        <p:nvSpPr>
+          <p:cNvPr id="2" name="Title 1"/>
+          <p:cNvSpPr>
+            <a:spLocks noGrp="1"/>
+          </p:cNvSpPr>
+          <p:nvPr>
+            <p:ph type="title"/>
+          </p:nvPr>
+        </p:nvSpPr>
+        <p:spPr/>
+        <p:txBody>
+          <a:bodyPr/>
+          <a:lstStyle/>
+          <a:p>
+            <a:endParaRPr lang="en-US" dirty="0"/>
+          </a:p>
+        </p:txBody>
+      </p:sp>
+      <p:pic>
+        <p:nvPicPr>
+          <p:cNvPr id="4" name="Content Placeholder 3" descr="CLASpowerpoint2_head.jpg"/>
+          <p:cNvPicPr>
+            <a:picLocks noChangeAspect="1"/>
+          </p:cNvPicPr>
+          <p:nvPr/>
+        </p:nvPicPr>
+        <p:blipFill>
+          <a:blip r:embed="rId3"/>
+          <a:srcRect t="-90296" b="-90296"/>
+          <a:stretch>
+            <a:fillRect/>
+          </a:stretch>
+        </p:blipFill>
+        <p:spPr>
+          <a:xfrm>
+            <a:off x="4354" y="-1668462"/>
+            <a:ext cx="9144640" cy="5029200"/>
+          </a:xfrm>
+          <a:prstGeom prst="rect">
+            <a:avLst/>
+          </a:prstGeom>
+        </p:spPr>
+      </p:pic>
+      <p:sp>
+        <p:nvSpPr>
+          <p:cNvPr id="5" name="TextBox 4"/>
+          <p:cNvSpPr txBox="1"/>
+          <p:nvPr/>
+        </p:nvSpPr>
+        <p:spPr>
+          <a:xfrm>
+            <a:off x="2209800" y="457200"/>
+            <a:ext cx="5943600" cy="830997"/>
+          </a:xfrm>
+          <a:prstGeom prst="rect">
+            <a:avLst/>
+          </a:prstGeom>
+          <a:noFill/>
+        </p:spPr>
+        <p:txBody>
+          <a:bodyPr wrap="square" rtlCol="0">
+            <a:spAutoFit/>
+          </a:bodyPr>
+          <a:lstStyle/>
+          <a:p>
+            <a:pPr algn="ctr"/>
+            <a:r>
+              <a:rPr lang="en-US" sz="4800" b="1" dirty="0" smtClean="0">
+                <a:solidFill>
+                  <a:schemeClr val="bg1"/>
+                </a:solidFill>
+              </a:rPr>
+              <a:t>Summary</a:t>
+            </a:r>
+            <a:endParaRPr lang="en-US" sz="4800" b="1" dirty="0">
+              <a:solidFill>
+                <a:schemeClr val="bg1"/>
+              </a:solidFill>
+            </a:endParaRPr>
+          </a:p>
+        </p:txBody>
+      </p:sp>
+      <p:sp>
+        <p:nvSpPr>
+          <p:cNvPr id="7" name="TextBox 6"/>
+          <p:cNvSpPr txBox="1"/>
+          <p:nvPr/>
+        </p:nvSpPr>
+        <p:spPr>
+          <a:xfrm>
+            <a:off x="723900" y="1828800"/>
+            <a:ext cx="7696200" cy="2554545"/>
+          </a:xfrm>
+          <a:prstGeom prst="rect">
+            <a:avLst/>
+          </a:prstGeom>
+          <a:noFill/>
+        </p:spPr>
+        <p:txBody>
+          <a:bodyPr wrap="square" rtlCol="0" anchor="ctr">
+            <a:spAutoFit/>
+          </a:bodyPr>
+          <a:lstStyle/>
+          <a:p>
+            <a:pPr>
+              <a:buFont typeface="Arial" pitchFamily="34" charset="0"/>
+              <a:buChar char="•"/>
+            </a:pPr>
+            <a:r>
+              <a:rPr lang="en-US" sz="3200" dirty="0" smtClean="0"/>
+              <a:t>2D/2D contact strategy to lower </a:t>
+            </a:r>
+            <a:r>
+              <a:rPr lang="en-US" sz="3200" dirty="0" err="1" smtClean="0"/>
+              <a:t>R</a:t>
+            </a:r>
+            <a:r>
+              <a:rPr lang="en-US" sz="3200" baseline="-25000" dirty="0" err="1" smtClean="0"/>
+              <a:t>contact</a:t>
+            </a:r>
+            <a:r>
+              <a:rPr lang="en-US" sz="3200" dirty="0" smtClean="0"/>
+              <a:t> </a:t>
+            </a:r>
+          </a:p>
+          <a:p>
+            <a:pPr>
+              <a:buFont typeface="Arial" pitchFamily="34" charset="0"/>
+              <a:buChar char="•"/>
+            </a:pPr>
+            <a:r>
+              <a:rPr lang="en-US" sz="3200" dirty="0" smtClean="0"/>
+              <a:t>Improve </a:t>
+            </a:r>
+            <a:r>
+              <a:rPr lang="el-GR" sz="3200" dirty="0" smtClean="0"/>
+              <a:t>μ</a:t>
+            </a:r>
+            <a:r>
+              <a:rPr lang="en-US" sz="3200" dirty="0" smtClean="0"/>
+              <a:t> through </a:t>
+            </a:r>
+            <a:r>
+              <a:rPr lang="en-US" sz="3200" dirty="0" err="1" smtClean="0"/>
+              <a:t>hBN</a:t>
+            </a:r>
+            <a:r>
+              <a:rPr lang="en-US" sz="3200" dirty="0" smtClean="0"/>
+              <a:t> encapsulation</a:t>
+            </a:r>
+          </a:p>
+          <a:p>
+            <a:pPr>
+              <a:buFont typeface="Arial" pitchFamily="34" charset="0"/>
+              <a:buChar char="•"/>
+            </a:pPr>
+            <a:r>
+              <a:rPr lang="en-US" sz="3200" dirty="0" smtClean="0"/>
+              <a:t>Determine quantum properties using low T and high B environment</a:t>
+            </a:r>
+          </a:p>
+          <a:p>
+            <a:pPr>
+              <a:buFont typeface="Arial" pitchFamily="34" charset="0"/>
+              <a:buChar char="•"/>
+            </a:pPr>
+            <a:r>
+              <a:rPr lang="en-US" sz="3200" dirty="0" smtClean="0"/>
+              <a:t>Room T performance limits </a:t>
+            </a:r>
+            <a:endParaRPr lang="en-US" sz="3200" dirty="0"/>
+          </a:p>
+        </p:txBody>
+      </p:sp>
+    </p:spTree>
+    <p:extLst>
+      <p:ext uri="{BB962C8B-B14F-4D97-AF65-F5344CB8AC3E}">
+        <p14:creationId xmlns="" xmlns:p14="http://schemas.microsoft.com/office/powerpoint/2010/main" val="4024764280"/>
+      </p:ext>
+    </p:extLst>
+  </p:cSld>
+  <p:clrMapOvr>
+    <a:masterClrMapping/>
+  </p:clrMapOvr>
+  <p:transition/>
+  <p:timing>
+    <p:tnLst>
+      <p:par>
+        <p:cTn id="1" dur="indefinite" restart="never" nodeType="tmRoot"/>
+      </p:par>
+    </p:tnLst>
+  </p:timing>
+</p:sld>
+</file>
+
+<file path=ppt/slides/slide16.xml><?xml version="1.0" encoding="utf-8"?>
+<p:sld xmlns:a="http://schemas.openxmlformats.org/drawingml/2006/main" xmlns:r="http://schemas.openxmlformats.org/officeDocument/2006/relationships" xmlns:p="http://schemas.openxmlformats.org/presentationml/2006/main">
+  <p:cSld>
+    <p:spTree>
+      <p:nvGrpSpPr>
+        <p:cNvPr id="1" name=""/>
+        <p:cNvGrpSpPr/>
+        <p:nvPr/>
+      </p:nvGrpSpPr>
+      <p:grpSpPr>
+        <a:xfrm>
+          <a:off x="0" y="0"/>
+          <a:ext cx="0" cy="0"/>
+          <a:chOff x="0" y="0"/>
+          <a:chExt cx="0" cy="0"/>
+        </a:xfrm>
+      </p:grpSpPr>
+      <p:sp>
+        <p:nvSpPr>
+          <p:cNvPr id="2" name="Title 1"/>
+          <p:cNvSpPr>
+            <a:spLocks noGrp="1"/>
+          </p:cNvSpPr>
+          <p:nvPr>
+            <p:ph type="title"/>
+          </p:nvPr>
+        </p:nvSpPr>
+        <p:spPr/>
+        <p:txBody>
+          <a:bodyPr/>
+          <a:lstStyle/>
+          <a:p>
+            <a:endParaRPr lang="en-US" dirty="0"/>
+          </a:p>
+        </p:txBody>
+      </p:sp>
+      <p:pic>
+        <p:nvPicPr>
+          <p:cNvPr id="4" name="Content Placeholder 3" descr="CLASpowerpoint2_head.jpg"/>
+          <p:cNvPicPr>
+            <a:picLocks noChangeAspect="1"/>
+          </p:cNvPicPr>
+          <p:nvPr/>
+        </p:nvPicPr>
+        <p:blipFill>
+          <a:blip r:embed="rId3"/>
+          <a:srcRect t="-90296" b="-90296"/>
+          <a:stretch>
+            <a:fillRect/>
+          </a:stretch>
+        </p:blipFill>
+        <p:spPr>
+          <a:xfrm>
+            <a:off x="4354" y="-1668462"/>
+            <a:ext cx="9144640" cy="5029200"/>
+          </a:xfrm>
+          <a:prstGeom prst="rect">
+            <a:avLst/>
+          </a:prstGeom>
+        </p:spPr>
+      </p:pic>
+      <p:sp>
+        <p:nvSpPr>
+          <p:cNvPr id="5" name="TextBox 4"/>
+          <p:cNvSpPr txBox="1"/>
+          <p:nvPr/>
+        </p:nvSpPr>
+        <p:spPr>
+          <a:xfrm>
+            <a:off x="2209800" y="457200"/>
+            <a:ext cx="5943600" cy="830997"/>
+          </a:xfrm>
+          <a:prstGeom prst="rect">
+            <a:avLst/>
+          </a:prstGeom>
+          <a:noFill/>
+        </p:spPr>
+        <p:txBody>
+          <a:bodyPr wrap="square" rtlCol="0">
+            <a:spAutoFit/>
+          </a:bodyPr>
+          <a:lstStyle/>
+          <a:p>
+            <a:pPr algn="ctr"/>
+            <a:r>
+              <a:rPr lang="en-US" sz="4800" b="1" dirty="0" smtClean="0">
+                <a:solidFill>
+                  <a:schemeClr val="bg1"/>
+                </a:solidFill>
+              </a:rPr>
+              <a:t>Acknowledgements</a:t>
+            </a:r>
+            <a:endParaRPr lang="en-US" sz="4800" b="1" dirty="0">
+              <a:solidFill>
+                <a:schemeClr val="bg1"/>
+              </a:solidFill>
+            </a:endParaRPr>
+          </a:p>
+        </p:txBody>
+      </p:sp>
+      <p:sp>
+        <p:nvSpPr>
+          <p:cNvPr id="7" name="TextBox 6"/>
+          <p:cNvSpPr txBox="1"/>
+          <p:nvPr/>
+        </p:nvSpPr>
+        <p:spPr>
+          <a:xfrm>
+            <a:off x="419100" y="1936522"/>
+            <a:ext cx="7696200" cy="584775"/>
+          </a:xfrm>
+          <a:prstGeom prst="rect">
+            <a:avLst/>
+          </a:prstGeom>
+          <a:noFill/>
+        </p:spPr>
+        <p:txBody>
+          <a:bodyPr wrap="square" rtlCol="0" anchor="ctr">
+            <a:spAutoFit/>
+          </a:bodyPr>
+          <a:lstStyle/>
+          <a:p>
+            <a:r>
+              <a:rPr lang="en-US" sz="3200" b="1" dirty="0" smtClean="0"/>
+              <a:t>The authors would like to acknowledge:</a:t>
+            </a:r>
+            <a:r>
+              <a:rPr lang="en-US" sz="3200" dirty="0" smtClean="0"/>
+              <a:t> </a:t>
+            </a:r>
+          </a:p>
+        </p:txBody>
+      </p:sp>
+      <p:sp>
+        <p:nvSpPr>
+          <p:cNvPr id="6" name="TextBox 5"/>
+          <p:cNvSpPr txBox="1"/>
+          <p:nvPr/>
+        </p:nvSpPr>
+        <p:spPr>
+          <a:xfrm>
+            <a:off x="419100" y="2521297"/>
+            <a:ext cx="7086600" cy="2246769"/>
+          </a:xfrm>
+          <a:prstGeom prst="rect">
+            <a:avLst/>
+          </a:prstGeom>
+          <a:noFill/>
+        </p:spPr>
+        <p:txBody>
+          <a:bodyPr wrap="square" rtlCol="0" anchor="ctr">
+            <a:spAutoFit/>
+          </a:bodyPr>
+          <a:lstStyle/>
+          <a:p>
+            <a:pPr>
+              <a:buFont typeface="Arial" pitchFamily="34" charset="0"/>
+              <a:buChar char="•"/>
+            </a:pPr>
+            <a:r>
+              <a:rPr lang="en-US" sz="2800" dirty="0" smtClean="0"/>
+              <a:t>Nanofabrication and Electron Transport Laboratory students:</a:t>
+            </a:r>
+          </a:p>
+          <a:p>
+            <a:pPr lvl="1"/>
+            <a:r>
+              <a:rPr lang="en-US" sz="2800" dirty="0" err="1" smtClean="0"/>
+              <a:t>Hsun</a:t>
+            </a:r>
+            <a:r>
+              <a:rPr lang="en-US" sz="2800" dirty="0" smtClean="0"/>
+              <a:t> Jen Chuang, </a:t>
+            </a:r>
+            <a:r>
+              <a:rPr lang="en-US" sz="2800" dirty="0" err="1" smtClean="0"/>
+              <a:t>Bhim</a:t>
+            </a:r>
+            <a:r>
+              <a:rPr lang="en-US" sz="2800" dirty="0" smtClean="0"/>
+              <a:t> </a:t>
+            </a:r>
+            <a:r>
+              <a:rPr lang="en-US" sz="2800" dirty="0" err="1" smtClean="0"/>
+              <a:t>Chamlagain</a:t>
+            </a:r>
+            <a:r>
+              <a:rPr lang="en-US" sz="2800" dirty="0" smtClean="0"/>
+              <a:t>, </a:t>
+            </a:r>
+            <a:r>
+              <a:rPr lang="en-US" sz="2800" dirty="0" err="1" smtClean="0"/>
+              <a:t>Meeghage</a:t>
+            </a:r>
+            <a:r>
+              <a:rPr lang="en-US" sz="2800" dirty="0" smtClean="0"/>
+              <a:t> </a:t>
+            </a:r>
+            <a:r>
+              <a:rPr lang="en-US" sz="2800" dirty="0" err="1" smtClean="0"/>
+              <a:t>Madusanka</a:t>
+            </a:r>
+            <a:r>
+              <a:rPr lang="en-US" sz="2800" dirty="0" smtClean="0"/>
+              <a:t> </a:t>
+            </a:r>
+            <a:r>
+              <a:rPr lang="en-US" sz="2800" dirty="0" err="1" smtClean="0"/>
+              <a:t>Perera</a:t>
+            </a:r>
+            <a:r>
+              <a:rPr lang="en-US" sz="2800" dirty="0" smtClean="0"/>
+              <a:t>, Arthur Bowman III, </a:t>
+            </a:r>
+            <a:r>
+              <a:rPr lang="en-US" sz="2800" dirty="0" err="1" smtClean="0"/>
+              <a:t>Upendra</a:t>
+            </a:r>
+            <a:r>
+              <a:rPr lang="en-US" sz="2800" dirty="0" smtClean="0"/>
+              <a:t> </a:t>
+            </a:r>
+            <a:r>
+              <a:rPr lang="en-US" sz="2800" dirty="0" err="1" smtClean="0"/>
+              <a:t>Rijal</a:t>
+            </a:r>
+            <a:r>
+              <a:rPr lang="en-US" sz="2800" dirty="0" smtClean="0"/>
+              <a:t>, and </a:t>
+            </a:r>
+            <a:r>
+              <a:rPr lang="en-US" sz="2800" dirty="0" err="1" smtClean="0"/>
+              <a:t>Sagar</a:t>
+            </a:r>
+            <a:r>
+              <a:rPr lang="en-US" sz="2800" dirty="0" smtClean="0"/>
+              <a:t> </a:t>
+            </a:r>
+            <a:r>
+              <a:rPr lang="en-US" sz="2800" dirty="0" err="1" smtClean="0"/>
+              <a:t>Paudel</a:t>
+            </a:r>
+            <a:endParaRPr lang="en-US" sz="2800" dirty="0"/>
+          </a:p>
+        </p:txBody>
+      </p:sp>
+      <p:sp>
+        <p:nvSpPr>
+          <p:cNvPr id="8" name="TextBox 7"/>
+          <p:cNvSpPr txBox="1"/>
+          <p:nvPr/>
+        </p:nvSpPr>
+        <p:spPr>
+          <a:xfrm>
+            <a:off x="419100" y="4953000"/>
+            <a:ext cx="7696200" cy="1384995"/>
+          </a:xfrm>
+          <a:prstGeom prst="rect">
+            <a:avLst/>
+          </a:prstGeom>
+          <a:noFill/>
+        </p:spPr>
+        <p:txBody>
+          <a:bodyPr wrap="square" rtlCol="0" anchor="ctr">
+            <a:spAutoFit/>
+          </a:bodyPr>
+          <a:lstStyle/>
+          <a:p>
+            <a:pPr>
+              <a:buFont typeface="Arial" pitchFamily="34" charset="0"/>
+              <a:buChar char="•"/>
+            </a:pPr>
+            <a:r>
+              <a:rPr lang="en-US" sz="2800" dirty="0" smtClean="0"/>
+              <a:t>Committee Members:  </a:t>
+            </a:r>
+            <a:r>
+              <a:rPr lang="en-US" sz="2800" dirty="0" smtClean="0"/>
+              <a:t>Dr. </a:t>
+            </a:r>
+            <a:r>
+              <a:rPr lang="en-US" sz="2800" dirty="0" err="1" smtClean="0"/>
+              <a:t>Zhixian</a:t>
+            </a:r>
+            <a:r>
+              <a:rPr lang="en-US" sz="2800" dirty="0" smtClean="0"/>
+              <a:t> </a:t>
+            </a:r>
+            <a:r>
+              <a:rPr lang="en-US" sz="2800" dirty="0" smtClean="0"/>
+              <a:t>Zhou,</a:t>
+            </a:r>
+            <a:endParaRPr lang="en-US" sz="2800" dirty="0" smtClean="0"/>
+          </a:p>
+          <a:p>
+            <a:r>
+              <a:rPr lang="en-US" sz="2800" dirty="0" smtClean="0"/>
+              <a:t>Dr. </a:t>
+            </a:r>
+            <a:r>
+              <a:rPr lang="en-US" sz="2800" dirty="0" err="1" smtClean="0"/>
+              <a:t>Jian</a:t>
+            </a:r>
+            <a:r>
+              <a:rPr lang="en-US" sz="2800" dirty="0" smtClean="0"/>
+              <a:t> Huang, Dr. </a:t>
+            </a:r>
+            <a:r>
+              <a:rPr lang="en-US" sz="2800" dirty="0" err="1" smtClean="0"/>
+              <a:t>Ashis</a:t>
+            </a:r>
+            <a:r>
+              <a:rPr lang="en-US" sz="2800" dirty="0" smtClean="0"/>
+              <a:t> </a:t>
+            </a:r>
+            <a:r>
+              <a:rPr lang="en-US" sz="2800" dirty="0" err="1" smtClean="0"/>
+              <a:t>Mukhopadhyay</a:t>
+            </a:r>
+            <a:r>
+              <a:rPr lang="en-US" sz="2800" dirty="0" smtClean="0"/>
+              <a:t>, Dr. Mark Cheng</a:t>
+            </a:r>
+            <a:endParaRPr lang="en-US" sz="2800" dirty="0"/>
+          </a:p>
+        </p:txBody>
+      </p:sp>
+    </p:spTree>
+    <p:extLst>
+      <p:ext uri="{BB962C8B-B14F-4D97-AF65-F5344CB8AC3E}">
+        <p14:creationId xmlns="" xmlns:p14="http://schemas.microsoft.com/office/powerpoint/2010/main" val="4024764280"/>
       </p:ext>
     </p:extLst>
   </p:cSld>
@@ -5027,7 +6814,11 @@
           <a:p>
             <a:r>
               <a:rPr lang="en-US" sz="4800" dirty="0" smtClean="0"/>
-              <a:t>Conclusions &amp; Future Work</a:t>
+              <a:t>Future Work </a:t>
+            </a:r>
+            <a:r>
+              <a:rPr lang="en-US" sz="4800" smtClean="0"/>
+              <a:t>&amp; Conclusion</a:t>
             </a:r>
             <a:endParaRPr lang="en-US" sz="4800" dirty="0"/>
           </a:p>
@@ -5097,33 +6888,10 @@
           </a:p>
         </p:txBody>
       </p:sp>
-      <p:sp>
-        <p:nvSpPr>
-          <p:cNvPr id="6" name="Footer Placeholder 5"/>
-          <p:cNvSpPr>
-            <a:spLocks noGrp="1"/>
-          </p:cNvSpPr>
-          <p:nvPr>
-            <p:ph type="ftr" sz="quarter" idx="11"/>
-          </p:nvPr>
-        </p:nvSpPr>
-        <p:spPr/>
-        <p:txBody>
-          <a:bodyPr/>
-          <a:lstStyle/>
-          <a:p>
-            <a:r>
-              <a:rPr lang="en-US" smtClean="0"/>
-              <a:t>1Geim &amp; Novoselov Nature Mat. 2007</a:t>
-            </a:r>
-            <a:endParaRPr lang="en-US"/>
-          </a:p>
-        </p:txBody>
-      </p:sp>
     </p:spTree>
     <p:extLst>
       <p:ext uri="{BB962C8B-B14F-4D97-AF65-F5344CB8AC3E}">
-        <p14:creationId xmlns:p14="http://schemas.microsoft.com/office/powerpoint/2010/main" xmlns="" val="4024764280"/>
+        <p14:creationId xmlns="" xmlns:p14="http://schemas.microsoft.com/office/powerpoint/2010/main" val="4024764280"/>
       </p:ext>
     </p:extLst>
   </p:cSld>
@@ -5131,6 +6899,13 @@
     <a:masterClrMapping/>
   </p:clrMapOvr>
   <p:transition/>
+  <p:timing>
+    <p:tnLst>
+      <p:par>
+        <p:cTn id="1" dur="indefinite" restart="never" nodeType="tmRoot"/>
+      </p:par>
+    </p:tnLst>
+  </p:timing>
 </p:sld>
 </file>
 
@@ -5266,7 +7041,7 @@
         <p:spPr>
           <a:xfrm>
             <a:off x="304799" y="2494289"/>
-            <a:ext cx="5992717" cy="3077766"/>
+            <a:ext cx="5992717" cy="2585323"/>
           </a:xfrm>
           <a:prstGeom prst="rect">
             <a:avLst/>
@@ -5299,7 +7074,7 @@
             </a:r>
             <a:r>
               <a:rPr lang="en-US" sz="3200" baseline="30000" dirty="0" smtClean="0"/>
-              <a:t>4</a:t>
+              <a:t>4 </a:t>
             </a:r>
             <a:r>
               <a:rPr lang="en-US" sz="3200" dirty="0" smtClean="0"/>
@@ -5327,11 +7102,15 @@
             </a:r>
             <a:r>
               <a:rPr lang="en-US" sz="3200" dirty="0" smtClean="0"/>
-              <a:t> at room </a:t>
+              <a:t> </a:t>
             </a:r>
             <a:r>
               <a:rPr lang="en-US" sz="3200" dirty="0" smtClean="0"/>
-              <a:t>temperature</a:t>
+              <a:t>at room </a:t>
+            </a:r>
+            <a:r>
+              <a:rPr lang="en-US" sz="3200" dirty="0" smtClean="0"/>
+              <a:t>temp</a:t>
             </a:r>
             <a:r>
               <a:rPr lang="en-US" sz="3200" baseline="30000" dirty="0" smtClean="0"/>
@@ -5385,7 +7164,7 @@
         </p:nvSpPr>
         <p:spPr>
           <a:xfrm>
-            <a:off x="304799" y="6096000"/>
+            <a:off x="0" y="6096000"/>
             <a:ext cx="4343401" cy="625475"/>
           </a:xfrm>
         </p:spPr>
@@ -5496,7 +7275,7 @@
     </p:spTree>
     <p:extLst>
       <p:ext uri="{BB962C8B-B14F-4D97-AF65-F5344CB8AC3E}">
-        <p14:creationId xmlns:p14="http://schemas.microsoft.com/office/powerpoint/2010/main" xmlns="" val="4024764280"/>
+        <p14:creationId xmlns="" xmlns:p14="http://schemas.microsoft.com/office/powerpoint/2010/main" val="4024764280"/>
       </p:ext>
     </p:extLst>
   </p:cSld>
@@ -5504,6 +7283,13 @@
     <a:masterClrMapping/>
   </p:clrMapOvr>
   <p:transition/>
+  <p:timing>
+    <p:tnLst>
+      <p:par>
+        <p:cTn id="1" dur="indefinite" restart="never" nodeType="tmRoot"/>
+      </p:par>
+    </p:tnLst>
+  </p:timing>
 </p:sld>
 </file>
 
@@ -5679,11 +7465,7 @@
           <a:p>
             <a:r>
               <a:rPr lang="en-US" sz="2800" dirty="0" smtClean="0"/>
-              <a:t>	</a:t>
-            </a:r>
-            <a:r>
-              <a:rPr lang="en-US" sz="2800" dirty="0" smtClean="0"/>
-              <a:t>	Mo, W, V			   S, Se, Te</a:t>
+              <a:t>		Mo, W, V			   S, Se, Te</a:t>
             </a:r>
           </a:p>
           <a:p>
@@ -5926,7 +7708,7 @@
         </p:nvSpPr>
         <p:spPr>
           <a:xfrm>
-            <a:off x="228600" y="6278721"/>
+            <a:off x="0" y="6278721"/>
             <a:ext cx="2895600" cy="442754"/>
           </a:xfrm>
         </p:spPr>
@@ -6010,7 +7792,7 @@
     </p:spTree>
     <p:extLst>
       <p:ext uri="{BB962C8B-B14F-4D97-AF65-F5344CB8AC3E}">
-        <p14:creationId xmlns:p14="http://schemas.microsoft.com/office/powerpoint/2010/main" xmlns="" val="4024764280"/>
+        <p14:creationId xmlns="" xmlns:p14="http://schemas.microsoft.com/office/powerpoint/2010/main" val="4024764280"/>
       </p:ext>
     </p:extLst>
   </p:cSld>
@@ -6018,6 +7800,13 @@
     <a:masterClrMapping/>
   </p:clrMapOvr>
   <p:transition/>
+  <p:timing>
+    <p:tnLst>
+      <p:par>
+        <p:cTn id="1" dur="indefinite" restart="never" nodeType="tmRoot"/>
+      </p:par>
+    </p:tnLst>
+  </p:timing>
 </p:sld>
 </file>
 
@@ -6079,7 +7868,11 @@
           <a:p>
             <a:r>
               <a:rPr lang="en-US" dirty="0" smtClean="0"/>
-              <a:t>Lowering Contact Resistance</a:t>
+              <a:t>Contact </a:t>
+            </a:r>
+            <a:r>
+              <a:rPr lang="en-US" dirty="0" smtClean="0"/>
+              <a:t>Resistance</a:t>
             </a:r>
           </a:p>
           <a:p>
@@ -6178,7 +7971,7 @@
     </p:spTree>
     <p:extLst>
       <p:ext uri="{BB962C8B-B14F-4D97-AF65-F5344CB8AC3E}">
-        <p14:creationId xmlns:p14="http://schemas.microsoft.com/office/powerpoint/2010/main" xmlns="" val="4024764280"/>
+        <p14:creationId xmlns="" xmlns:p14="http://schemas.microsoft.com/office/powerpoint/2010/main" val="4024764280"/>
       </p:ext>
     </p:extLst>
   </p:cSld>
@@ -6186,6 +7979,13 @@
     <a:masterClrMapping/>
   </p:clrMapOvr>
   <p:transition/>
+  <p:timing>
+    <p:tnLst>
+      <p:par>
+        <p:cTn id="1" dur="indefinite" restart="never" nodeType="tmRoot"/>
+      </p:par>
+    </p:tnLst>
+  </p:timing>
 </p:sld>
 </file>
 
@@ -6417,7 +8217,7 @@
     </p:spTree>
     <p:extLst>
       <p:ext uri="{BB962C8B-B14F-4D97-AF65-F5344CB8AC3E}">
-        <p14:creationId xmlns:p14="http://schemas.microsoft.com/office/powerpoint/2010/main" xmlns="" val="4024764280"/>
+        <p14:creationId xmlns="" xmlns:p14="http://schemas.microsoft.com/office/powerpoint/2010/main" val="4024764280"/>
       </p:ext>
     </p:extLst>
   </p:cSld>
@@ -6425,6 +8225,13 @@
     <a:masterClrMapping/>
   </p:clrMapOvr>
   <p:transition/>
+  <p:timing>
+    <p:tnLst>
+      <p:par>
+        <p:cTn id="1" dur="indefinite" restart="never" nodeType="tmRoot"/>
+      </p:par>
+    </p:tnLst>
+  </p:timing>
 </p:sld>
 </file>
 
@@ -6602,7 +8409,7 @@
     </p:spTree>
     <p:extLst>
       <p:ext uri="{BB962C8B-B14F-4D97-AF65-F5344CB8AC3E}">
-        <p14:creationId xmlns:p14="http://schemas.microsoft.com/office/powerpoint/2010/main" xmlns="" val="4024764280"/>
+        <p14:creationId xmlns="" xmlns:p14="http://schemas.microsoft.com/office/powerpoint/2010/main" val="4024764280"/>
       </p:ext>
     </p:extLst>
   </p:cSld>
@@ -7007,7 +8814,7 @@
     </p:spTree>
     <p:extLst>
       <p:ext uri="{BB962C8B-B14F-4D97-AF65-F5344CB8AC3E}">
-        <p14:creationId xmlns:p14="http://schemas.microsoft.com/office/powerpoint/2010/main" xmlns="" val="4024764280"/>
+        <p14:creationId xmlns="" xmlns:p14="http://schemas.microsoft.com/office/powerpoint/2010/main" val="4024764280"/>
       </p:ext>
     </p:extLst>
   </p:cSld>
@@ -7530,7 +9337,7 @@
     </p:spTree>
     <p:extLst>
       <p:ext uri="{BB962C8B-B14F-4D97-AF65-F5344CB8AC3E}">
-        <p14:creationId xmlns:p14="http://schemas.microsoft.com/office/powerpoint/2010/main" xmlns="" val="4024764280"/>
+        <p14:creationId xmlns="" xmlns:p14="http://schemas.microsoft.com/office/powerpoint/2010/main" val="4024764280"/>
       </p:ext>
     </p:extLst>
   </p:cSld>

--- a/talk/work/prospectus_talk.pptx
+++ b/talk/work/prospectus_talk.pptx
@@ -124,7 +124,7 @@
   </p:defaultTextStyle>
   <p:extLst>
     <p:ext uri="{EFAFB233-063F-42B5-8137-9DF3F51BA10A}">
-      <p15:sldGuideLst xmlns="" xmlns:p15="http://schemas.microsoft.com/office/powerpoint/2012/main">
+      <p15:sldGuideLst xmlns:p15="http://schemas.microsoft.com/office/powerpoint/2012/main" xmlns="">
         <p15:guide id="1" orient="horz" pos="2160">
           <p15:clr>
             <a:srgbClr val="A4A3A4"/>
@@ -395,7 +395,7 @@
     </p:spTree>
     <p:extLst>
       <p:ext uri="{BB962C8B-B14F-4D97-AF65-F5344CB8AC3E}">
-        <p14:creationId xmlns="" xmlns:p14="http://schemas.microsoft.com/office/powerpoint/2010/main" val="872032668"/>
+        <p14:creationId xmlns:p14="http://schemas.microsoft.com/office/powerpoint/2010/main" xmlns="" val="872032668"/>
       </p:ext>
     </p:extLst>
   </p:cSld>
@@ -541,7 +541,23 @@
           </a:bodyPr>
           <a:lstStyle/>
           <a:p>
-            <a:endParaRPr lang="en-US"/>
+            <a:r>
+              <a:rPr lang="en-US" dirty="0" smtClean="0"/>
+              <a:t>Upper</a:t>
+            </a:r>
+            <a:r>
+              <a:rPr lang="en-US" baseline="0" dirty="0" smtClean="0"/>
+              <a:t> limit is for suspended </a:t>
+            </a:r>
+            <a:r>
+              <a:rPr lang="en-US" baseline="0" dirty="0" err="1" smtClean="0"/>
+              <a:t>graphene</a:t>
+            </a:r>
+            <a:r>
+              <a:rPr lang="en-US" baseline="0" dirty="0" smtClean="0"/>
+              <a:t> (i.e. removed substrate)</a:t>
+            </a:r>
+            <a:endParaRPr lang="en-US" dirty="0"/>
           </a:p>
         </p:txBody>
       </p:sp>
@@ -1599,6 +1615,18 @@
           </a:bodyPr>
           <a:lstStyle/>
           <a:p>
+            <a:r>
+              <a:rPr lang="en-US" dirty="0" smtClean="0"/>
+              <a:t>Cyclotron mass is the mass of electrons/holes</a:t>
+            </a:r>
+            <a:r>
+              <a:rPr lang="en-US" baseline="0" dirty="0" smtClean="0"/>
+              <a:t> at the </a:t>
+            </a:r>
+            <a:r>
+              <a:rPr lang="en-US" baseline="0" smtClean="0"/>
+              <a:t>Fermi level.</a:t>
+            </a:r>
             <a:endParaRPr lang="en-US" dirty="0"/>
           </a:p>
         </p:txBody>
@@ -4835,7 +4863,7 @@
     </p:spTree>
     <p:extLst>
       <p:ext uri="{BB962C8B-B14F-4D97-AF65-F5344CB8AC3E}">
-        <p14:creationId xmlns="" xmlns:p14="http://schemas.microsoft.com/office/powerpoint/2010/main" val="4077747010"/>
+        <p14:creationId xmlns:p14="http://schemas.microsoft.com/office/powerpoint/2010/main" xmlns="" val="4077747010"/>
       </p:ext>
     </p:extLst>
   </p:cSld>
@@ -5036,7 +5064,7 @@
     </p:spTree>
     <p:extLst>
       <p:ext uri="{BB962C8B-B14F-4D97-AF65-F5344CB8AC3E}">
-        <p14:creationId xmlns="" xmlns:p14="http://schemas.microsoft.com/office/powerpoint/2010/main" val="4024764280"/>
+        <p14:creationId xmlns:p14="http://schemas.microsoft.com/office/powerpoint/2010/main" xmlns="" val="4024764280"/>
       </p:ext>
     </p:extLst>
   </p:cSld>
@@ -5181,7 +5209,7 @@
     </p:spTree>
     <p:extLst>
       <p:ext uri="{BB962C8B-B14F-4D97-AF65-F5344CB8AC3E}">
-        <p14:creationId xmlns="" xmlns:p14="http://schemas.microsoft.com/office/powerpoint/2010/main" val="4024764280"/>
+        <p14:creationId xmlns:p14="http://schemas.microsoft.com/office/powerpoint/2010/main" xmlns="" val="4024764280"/>
       </p:ext>
     </p:extLst>
   </p:cSld>
@@ -5366,7 +5394,7 @@
                   <a:schemeClr val="tx1"/>
                 </a:solidFill>
               </a:rPr>
-              <a:t>4</a:t>
+              <a:t>5</a:t>
             </a:r>
             <a:r>
               <a:rPr lang="it-IT" sz="1600" dirty="0" smtClean="0">
@@ -5374,7 +5402,15 @@
                   <a:schemeClr val="tx1"/>
                 </a:solidFill>
               </a:rPr>
-              <a:t>Cui et al. Nature Nano. (2015)</a:t>
+              <a:t>Cui </a:t>
+            </a:r>
+            <a:r>
+              <a:rPr lang="it-IT" sz="1600" dirty="0" smtClean="0">
+                <a:solidFill>
+                  <a:schemeClr val="tx1"/>
+                </a:solidFill>
+              </a:rPr>
+              <a:t>et al. Nature Nano. (2015)</a:t>
             </a:r>
             <a:endParaRPr lang="en-US" sz="1600" dirty="0">
               <a:solidFill>
@@ -5387,7 +5423,7 @@
     </p:spTree>
     <p:extLst>
       <p:ext uri="{BB962C8B-B14F-4D97-AF65-F5344CB8AC3E}">
-        <p14:creationId xmlns="" xmlns:p14="http://schemas.microsoft.com/office/powerpoint/2010/main" val="4024764280"/>
+        <p14:creationId xmlns:p14="http://schemas.microsoft.com/office/powerpoint/2010/main" xmlns="" val="4024764280"/>
       </p:ext>
     </p:extLst>
   </p:cSld>
@@ -5574,7 +5610,11 @@
             </a:r>
             <a:r>
               <a:rPr lang="en-US" sz="2800" dirty="0" smtClean="0"/>
-              <a:t> in 1L MoS</a:t>
+              <a:t> in 1L </a:t>
+            </a:r>
+            <a:r>
+              <a:rPr lang="en-US" sz="2800" dirty="0" smtClean="0"/>
+              <a:t>MoS</a:t>
             </a:r>
             <a:r>
               <a:rPr lang="en-US" sz="2800" baseline="-25000" dirty="0" smtClean="0"/>
@@ -5582,7 +5622,11 @@
             </a:r>
             <a:r>
               <a:rPr lang="en-US" sz="2800" baseline="30000" dirty="0" smtClean="0"/>
-              <a:t>4 </a:t>
+              <a:t>5</a:t>
+            </a:r>
+            <a:r>
+              <a:rPr lang="en-US" sz="2800" baseline="30000" dirty="0" smtClean="0"/>
+              <a:t> </a:t>
             </a:r>
             <a:r>
               <a:rPr lang="en-US" sz="2800" dirty="0" smtClean="0"/>
@@ -5610,16 +5654,21 @@
             </a:r>
             <a:r>
               <a:rPr lang="en-US" sz="2800" dirty="0" smtClean="0"/>
-              <a:t> in ~10 nm BP</a:t>
+              <a:t> in ~10 nm </a:t>
+            </a:r>
+            <a:r>
+              <a:rPr lang="en-US" sz="2800" dirty="0" smtClean="0"/>
+              <a:t>BP</a:t>
             </a:r>
             <a:r>
               <a:rPr lang="en-US" sz="2800" baseline="30000" dirty="0" smtClean="0"/>
-              <a:t>5</a:t>
+              <a:t>6</a:t>
             </a:r>
             <a:r>
               <a:rPr lang="en-US" sz="2800" dirty="0" smtClean="0"/>
               <a:t> </a:t>
             </a:r>
+            <a:endParaRPr lang="en-US" sz="2800" dirty="0" smtClean="0"/>
           </a:p>
           <a:p>
             <a:pPr>
@@ -5627,7 +5676,11 @@
               <a:buChar char="•"/>
             </a:pPr>
             <a:r>
-              <a:rPr lang="en-US" sz="2800" dirty="0" smtClean="0"/>
+              <a:rPr lang="en-US" sz="2800" dirty="0" smtClean="0">
+                <a:solidFill>
+                  <a:schemeClr val="bg1"/>
+                </a:solidFill>
+              </a:rPr>
               <a:t>A</a:t>
             </a:r>
           </a:p>
@@ -5666,7 +5719,7 @@
                   <a:schemeClr val="tx1"/>
                 </a:solidFill>
               </a:rPr>
-              <a:t>4</a:t>
+              <a:t>5</a:t>
             </a:r>
             <a:r>
               <a:rPr lang="it-IT" sz="1600" dirty="0" smtClean="0">
@@ -5706,7 +5759,7 @@
                   <a:schemeClr val="tx1"/>
                 </a:solidFill>
               </a:rPr>
-              <a:t>5</a:t>
+              <a:t>6</a:t>
             </a:r>
             <a:r>
               <a:rPr lang="it-IT" sz="1600" dirty="0" smtClean="0">
@@ -5738,7 +5791,7 @@
     </p:spTree>
     <p:extLst>
       <p:ext uri="{BB962C8B-B14F-4D97-AF65-F5344CB8AC3E}">
-        <p14:creationId xmlns="" xmlns:p14="http://schemas.microsoft.com/office/powerpoint/2010/main" val="4024764280"/>
+        <p14:creationId xmlns:p14="http://schemas.microsoft.com/office/powerpoint/2010/main" xmlns="" val="4024764280"/>
       </p:ext>
     </p:extLst>
   </p:cSld>
@@ -5884,11 +5937,15 @@
             </a:pPr>
             <a:r>
               <a:rPr lang="en-US" sz="3600" dirty="0" smtClean="0"/>
-              <a:t>Theoretical 1L mobility at T=295K</a:t>
+              <a:t>Theoretical 1L mobility at </a:t>
+            </a:r>
+            <a:r>
+              <a:rPr lang="en-US" sz="3600" dirty="0" smtClean="0"/>
+              <a:t>T=295K</a:t>
             </a:r>
             <a:r>
               <a:rPr lang="en-US" sz="3600" baseline="30000" dirty="0" smtClean="0"/>
-              <a:t>6</a:t>
+              <a:t>7</a:t>
             </a:r>
             <a:endParaRPr lang="en-US" sz="3600" dirty="0" smtClean="0"/>
           </a:p>
@@ -5930,11 +5987,15 @@
             </a:pPr>
             <a:r>
               <a:rPr lang="en-US" sz="3600" dirty="0" smtClean="0"/>
-              <a:t>Experimental mobility at T=295K</a:t>
+              <a:t>Experimental mobility at </a:t>
+            </a:r>
+            <a:r>
+              <a:rPr lang="en-US" sz="3600" dirty="0" smtClean="0"/>
+              <a:t>T=295K</a:t>
             </a:r>
             <a:r>
               <a:rPr lang="en-US" sz="3600" baseline="30000" dirty="0" smtClean="0"/>
-              <a:t>7</a:t>
+              <a:t>8</a:t>
             </a:r>
             <a:endParaRPr lang="en-US" sz="3600" dirty="0" smtClean="0"/>
           </a:p>
@@ -5945,11 +6006,7 @@
             </a:pPr>
             <a:r>
               <a:rPr lang="en-US" sz="3600" dirty="0" smtClean="0"/>
-              <a:t>~200 </a:t>
-            </a:r>
-            <a:r>
-              <a:rPr lang="en-US" sz="3600" dirty="0" smtClean="0"/>
-              <a:t>cm</a:t>
+              <a:t>~200 cm</a:t>
             </a:r>
             <a:r>
               <a:rPr lang="en-US" sz="3600" baseline="30000" dirty="0" smtClean="0"/>
@@ -6079,7 +6136,7 @@
                   <a:schemeClr val="tx1"/>
                 </a:solidFill>
               </a:rPr>
-              <a:t>6</a:t>
+              <a:t>7</a:t>
             </a:r>
             <a:r>
               <a:rPr lang="da-DK" sz="1600" dirty="0" smtClean="0">
@@ -6114,7 +6171,7 @@
                   <a:schemeClr val="tx1"/>
                 </a:solidFill>
               </a:rPr>
-              <a:t>7</a:t>
+              <a:t>8</a:t>
             </a:r>
             <a:r>
               <a:rPr lang="da-DK" sz="1600" dirty="0" smtClean="0">
@@ -6151,7 +6208,7 @@
     </p:spTree>
     <p:extLst>
       <p:ext uri="{BB962C8B-B14F-4D97-AF65-F5344CB8AC3E}">
-        <p14:creationId xmlns="" xmlns:p14="http://schemas.microsoft.com/office/powerpoint/2010/main" val="4024764280"/>
+        <p14:creationId xmlns:p14="http://schemas.microsoft.com/office/powerpoint/2010/main" xmlns="" val="4024764280"/>
       </p:ext>
     </p:extLst>
   </p:cSld>
@@ -6364,7 +6421,7 @@
     </p:spTree>
     <p:extLst>
       <p:ext uri="{BB962C8B-B14F-4D97-AF65-F5344CB8AC3E}">
-        <p14:creationId xmlns="" xmlns:p14="http://schemas.microsoft.com/office/powerpoint/2010/main" val="4024764280"/>
+        <p14:creationId xmlns:p14="http://schemas.microsoft.com/office/powerpoint/2010/main" xmlns="" val="4024764280"/>
       </p:ext>
     </p:extLst>
   </p:cSld>
@@ -6656,11 +6713,7 @@
             </a:pPr>
             <a:r>
               <a:rPr lang="en-US" sz="2800" dirty="0" smtClean="0"/>
-              <a:t>Committee Members:  </a:t>
-            </a:r>
-            <a:r>
-              <a:rPr lang="en-US" sz="2800" dirty="0" smtClean="0"/>
-              <a:t>Dr. </a:t>
+              <a:t>Committee Members:  Dr. </a:t>
             </a:r>
             <a:r>
               <a:rPr lang="en-US" sz="2800" dirty="0" err="1" smtClean="0"/>
@@ -6668,13 +6721,8 @@
             </a:r>
             <a:r>
               <a:rPr lang="en-US" sz="2800" dirty="0" smtClean="0"/>
-              <a:t> </a:t>
-            </a:r>
-            <a:r>
-              <a:rPr lang="en-US" sz="2800" dirty="0" smtClean="0"/>
-              <a:t>Zhou,</a:t>
-            </a:r>
-            <a:endParaRPr lang="en-US" sz="2800" dirty="0" smtClean="0"/>
+              <a:t> Zhou,</a:t>
+            </a:r>
           </a:p>
           <a:p>
             <a:r>
@@ -6712,7 +6760,7 @@
     </p:spTree>
     <p:extLst>
       <p:ext uri="{BB962C8B-B14F-4D97-AF65-F5344CB8AC3E}">
-        <p14:creationId xmlns="" xmlns:p14="http://schemas.microsoft.com/office/powerpoint/2010/main" val="4024764280"/>
+        <p14:creationId xmlns:p14="http://schemas.microsoft.com/office/powerpoint/2010/main" xmlns="" val="4024764280"/>
       </p:ext>
     </p:extLst>
   </p:cSld>
@@ -6891,7 +6939,7 @@
     </p:spTree>
     <p:extLst>
       <p:ext uri="{BB962C8B-B14F-4D97-AF65-F5344CB8AC3E}">
-        <p14:creationId xmlns="" xmlns:p14="http://schemas.microsoft.com/office/powerpoint/2010/main" val="4024764280"/>
+        <p14:creationId xmlns:p14="http://schemas.microsoft.com/office/powerpoint/2010/main" xmlns="" val="4024764280"/>
       </p:ext>
     </p:extLst>
   </p:cSld>
@@ -7041,7 +7089,7 @@
         <p:spPr>
           <a:xfrm>
             <a:off x="304799" y="2494289"/>
-            <a:ext cx="5992717" cy="2585323"/>
+            <a:ext cx="6477001" cy="4062651"/>
           </a:xfrm>
           <a:prstGeom prst="rect">
             <a:avLst/>
@@ -7106,15 +7154,65 @@
             </a:r>
             <a:r>
               <a:rPr lang="en-US" sz="3200" dirty="0" smtClean="0"/>
-              <a:t>at room </a:t>
-            </a:r>
-            <a:r>
-              <a:rPr lang="en-US" sz="3200" dirty="0" smtClean="0"/>
-              <a:t>temp</a:t>
+              <a:t>at T</a:t>
+            </a:r>
+            <a:r>
+              <a:rPr lang="en-US" sz="3200" baseline="-25000" dirty="0" smtClean="0"/>
+              <a:t>room</a:t>
             </a:r>
             <a:r>
               <a:rPr lang="en-US" sz="3200" baseline="30000" dirty="0" smtClean="0"/>
               <a:t>1</a:t>
+            </a:r>
+          </a:p>
+          <a:p>
+            <a:pPr lvl="1">
+              <a:buFont typeface="Arial" pitchFamily="34" charset="0"/>
+              <a:buChar char="•"/>
+            </a:pPr>
+            <a:r>
+              <a:rPr lang="en-US" sz="3200" dirty="0" smtClean="0"/>
+              <a:t>Upper limit 10</a:t>
+            </a:r>
+            <a:r>
+              <a:rPr lang="en-US" sz="3200" baseline="30000" dirty="0" smtClean="0"/>
+              <a:t>5</a:t>
+            </a:r>
+            <a:r>
+              <a:rPr lang="en-US" sz="3200" dirty="0" smtClean="0"/>
+              <a:t> cm</a:t>
+            </a:r>
+            <a:r>
+              <a:rPr lang="en-US" sz="3200" baseline="30000" dirty="0" smtClean="0"/>
+              <a:t>2</a:t>
+            </a:r>
+            <a:r>
+              <a:rPr lang="en-US" sz="3200" dirty="0" smtClean="0"/>
+              <a:t>V</a:t>
+            </a:r>
+            <a:r>
+              <a:rPr lang="en-US" sz="3200" baseline="30000" dirty="0" smtClean="0"/>
+              <a:t>-1</a:t>
+            </a:r>
+            <a:r>
+              <a:rPr lang="en-US" sz="3200" dirty="0" smtClean="0"/>
+              <a:t>s</a:t>
+            </a:r>
+            <a:r>
+              <a:rPr lang="en-US" sz="3200" baseline="30000" dirty="0" smtClean="0"/>
+              <a:t>-1</a:t>
+            </a:r>
+            <a:r>
+              <a:rPr lang="en-US" sz="3200" dirty="0" smtClean="0"/>
+              <a:t> at T</a:t>
+            </a:r>
+            <a:r>
+              <a:rPr lang="en-US" sz="3200" baseline="-25000" dirty="0" smtClean="0"/>
+              <a:t>room</a:t>
+            </a:r>
+            <a:r>
+              <a:rPr lang="en-US" sz="3200" baseline="30000" dirty="0" smtClean="0"/>
+              <a:t>2</a:t>
             </a:r>
             <a:endParaRPr lang="en-US" sz="3200" dirty="0" smtClean="0"/>
           </a:p>
@@ -7125,16 +7223,58 @@
             </a:pPr>
             <a:r>
               <a:rPr lang="en-US" sz="3200" dirty="0" smtClean="0"/>
-              <a:t>No Bandgap</a:t>
+              <a:t>High Young’s Modulus </a:t>
+            </a:r>
+          </a:p>
+          <a:p>
+            <a:pPr>
+              <a:buFont typeface="Arial" pitchFamily="34" charset="0"/>
+              <a:buChar char="•"/>
+            </a:pPr>
+            <a:r>
+              <a:rPr lang="en-US" sz="3200" dirty="0" smtClean="0"/>
+              <a:t>No </a:t>
+            </a:r>
+            <a:r>
+              <a:rPr lang="en-US" sz="3200" dirty="0" smtClean="0"/>
+              <a:t>Bandgap</a:t>
             </a:r>
             <a:r>
               <a:rPr lang="en-US" sz="3200" baseline="30000" dirty="0" smtClean="0"/>
-              <a:t>2</a:t>
-            </a:r>
+              <a:t>3</a:t>
+            </a:r>
+            <a:endParaRPr lang="en-US" sz="3200" baseline="30000" dirty="0" smtClean="0"/>
+          </a:p>
+          <a:p>
+            <a:pPr lvl="1">
+              <a:buFont typeface="Arial" pitchFamily="34" charset="0"/>
+              <a:buChar char="•"/>
+            </a:pPr>
             <a:r>
               <a:rPr lang="en-US" sz="3200" dirty="0" smtClean="0"/>
-              <a:t> </a:t>
-            </a:r>
+              <a:t>Low I</a:t>
+            </a:r>
+            <a:r>
+              <a:rPr lang="en-US" sz="3200" baseline="-25000" dirty="0" smtClean="0"/>
+              <a:t>on</a:t>
+            </a:r>
+            <a:r>
+              <a:rPr lang="en-US" sz="3200" dirty="0" smtClean="0"/>
+              <a:t>/</a:t>
+            </a:r>
+            <a:r>
+              <a:rPr lang="en-US" sz="3200" dirty="0" err="1" smtClean="0"/>
+              <a:t>I</a:t>
+            </a:r>
+            <a:r>
+              <a:rPr lang="en-US" sz="3200" baseline="-25000" dirty="0" err="1" smtClean="0"/>
+              <a:t>off</a:t>
+            </a:r>
+            <a:r>
+              <a:rPr lang="en-US" sz="3200" dirty="0" smtClean="0"/>
+              <a:t> ratio</a:t>
+            </a:r>
+            <a:endParaRPr lang="en-US" sz="3200" dirty="0" smtClean="0"/>
           </a:p>
           <a:p>
             <a:endParaRPr lang="en-US" sz="2400" dirty="0" smtClean="0"/>
@@ -7203,7 +7343,15 @@
                   <a:schemeClr val="tx1"/>
                 </a:solidFill>
               </a:rPr>
-              <a:t> Nature Mat. 2007 </a:t>
+              <a:t> Nature Mat. </a:t>
+            </a:r>
+            <a:r>
+              <a:rPr lang="en-US" sz="1600" dirty="0" smtClean="0">
+                <a:solidFill>
+                  <a:schemeClr val="tx1"/>
+                </a:solidFill>
+              </a:rPr>
+              <a:t>(2007)</a:t>
             </a:r>
           </a:p>
           <a:p>
@@ -7222,7 +7370,7 @@
                   <a:schemeClr val="tx1"/>
                 </a:solidFill>
               </a:rPr>
-              <a:t>Xu </a:t>
+              <a:t>Chen </a:t>
             </a:r>
             <a:r>
               <a:rPr lang="en-US" sz="1600" i="1" dirty="0" smtClean="0">
@@ -7238,7 +7386,79 @@
                   <a:schemeClr val="tx1"/>
                 </a:solidFill>
               </a:rPr>
-              <a:t> Chem. Rev. 2013</a:t>
+              <a:t> Nature </a:t>
+            </a:r>
+            <a:r>
+              <a:rPr lang="en-US" sz="1600" dirty="0" err="1" smtClean="0">
+                <a:solidFill>
+                  <a:schemeClr val="tx1"/>
+                </a:solidFill>
+              </a:rPr>
+              <a:t>Nano</a:t>
+            </a:r>
+            <a:r>
+              <a:rPr lang="en-US" sz="1600" dirty="0" smtClean="0">
+                <a:solidFill>
+                  <a:schemeClr val="tx1"/>
+                </a:solidFill>
+              </a:rPr>
+              <a:t> (2008)</a:t>
+            </a:r>
+            <a:r>
+              <a:rPr lang="en-US" sz="1600" dirty="0" smtClean="0">
+                <a:solidFill>
+                  <a:schemeClr val="tx1"/>
+                </a:solidFill>
+              </a:rPr>
+              <a:t> </a:t>
+            </a:r>
+            <a:endParaRPr lang="en-US" sz="1600" dirty="0" smtClean="0">
+              <a:solidFill>
+                <a:schemeClr val="tx1"/>
+              </a:solidFill>
+            </a:endParaRPr>
+          </a:p>
+          <a:p>
+            <a:pPr algn="l"/>
+            <a:r>
+              <a:rPr lang="en-US" sz="1600" baseline="30000" dirty="0" smtClean="0">
+                <a:solidFill>
+                  <a:schemeClr val="tx1"/>
+                </a:solidFill>
+              </a:rPr>
+              <a:t>3</a:t>
+            </a:r>
+            <a:r>
+              <a:rPr lang="en-US" sz="1600" dirty="0" smtClean="0">
+                <a:solidFill>
+                  <a:schemeClr val="tx1"/>
+                </a:solidFill>
+              </a:rPr>
+              <a:t>Xu </a:t>
+            </a:r>
+            <a:r>
+              <a:rPr lang="en-US" sz="1600" i="1" dirty="0" smtClean="0">
+                <a:solidFill>
+                  <a:schemeClr val="tx1"/>
+                </a:solidFill>
+              </a:rPr>
+              <a:t>et al.</a:t>
+            </a:r>
+            <a:r>
+              <a:rPr lang="en-US" sz="1600" dirty="0" smtClean="0">
+                <a:solidFill>
+                  <a:schemeClr val="tx1"/>
+                </a:solidFill>
+              </a:rPr>
+              <a:t> Chem. Rev. </a:t>
+            </a:r>
+            <a:r>
+              <a:rPr lang="en-US" sz="1600" dirty="0" smtClean="0">
+                <a:solidFill>
+                  <a:schemeClr val="tx1"/>
+                </a:solidFill>
+              </a:rPr>
+              <a:t>(2013)</a:t>
             </a:r>
             <a:endParaRPr lang="en-US" sz="1600" dirty="0">
               <a:solidFill>
@@ -7275,7 +7495,7 @@
     </p:spTree>
     <p:extLst>
       <p:ext uri="{BB962C8B-B14F-4D97-AF65-F5344CB8AC3E}">
-        <p14:creationId xmlns="" xmlns:p14="http://schemas.microsoft.com/office/powerpoint/2010/main" val="4024764280"/>
+        <p14:creationId xmlns:p14="http://schemas.microsoft.com/office/powerpoint/2010/main" xmlns="" val="4024764280"/>
       </p:ext>
     </p:extLst>
   </p:cSld>
@@ -7625,11 +7845,15 @@
           <a:p>
             <a:r>
               <a:rPr lang="en-US" sz="2800" dirty="0" smtClean="0"/>
-              <a:t>Unique Band structure</a:t>
+              <a:t>Unique Band </a:t>
+            </a:r>
+            <a:r>
+              <a:rPr lang="en-US" sz="2800" dirty="0" smtClean="0"/>
+              <a:t>structure</a:t>
             </a:r>
             <a:r>
               <a:rPr lang="en-US" sz="2800" baseline="30000" dirty="0" smtClean="0"/>
-              <a:t>2</a:t>
+              <a:t>3</a:t>
             </a:r>
             <a:endParaRPr lang="en-US" sz="2800" dirty="0" smtClean="0"/>
           </a:p>
@@ -7723,7 +7947,7 @@
                   <a:schemeClr val="tx1"/>
                 </a:solidFill>
               </a:rPr>
-              <a:t>2</a:t>
+              <a:t>3</a:t>
             </a:r>
             <a:r>
               <a:rPr lang="fr-FR" sz="1600" dirty="0" smtClean="0">
@@ -7779,7 +8003,15 @@
                   <a:schemeClr val="tx1"/>
                 </a:solidFill>
               </a:rPr>
-              <a:t>. 2013</a:t>
+              <a:t>. </a:t>
+            </a:r>
+            <a:r>
+              <a:rPr lang="fr-FR" sz="1600" dirty="0" smtClean="0">
+                <a:solidFill>
+                  <a:schemeClr val="tx1"/>
+                </a:solidFill>
+              </a:rPr>
+              <a:t>(2013)</a:t>
             </a:r>
             <a:endParaRPr lang="en-US" sz="1600" dirty="0">
               <a:solidFill>
@@ -7792,7 +8024,7 @@
     </p:spTree>
     <p:extLst>
       <p:ext uri="{BB962C8B-B14F-4D97-AF65-F5344CB8AC3E}">
-        <p14:creationId xmlns="" xmlns:p14="http://schemas.microsoft.com/office/powerpoint/2010/main" val="4024764280"/>
+        <p14:creationId xmlns:p14="http://schemas.microsoft.com/office/powerpoint/2010/main" xmlns="" val="4024764280"/>
       </p:ext>
     </p:extLst>
   </p:cSld>
@@ -7868,11 +8100,7 @@
           <a:p>
             <a:r>
               <a:rPr lang="en-US" dirty="0" smtClean="0"/>
-              <a:t>Contact </a:t>
-            </a:r>
-            <a:r>
-              <a:rPr lang="en-US" dirty="0" smtClean="0"/>
-              <a:t>Resistance</a:t>
+              <a:t>Contact Resistance</a:t>
             </a:r>
           </a:p>
           <a:p>
@@ -7971,7 +8199,7 @@
     </p:spTree>
     <p:extLst>
       <p:ext uri="{BB962C8B-B14F-4D97-AF65-F5344CB8AC3E}">
-        <p14:creationId xmlns="" xmlns:p14="http://schemas.microsoft.com/office/powerpoint/2010/main" val="4024764280"/>
+        <p14:creationId xmlns:p14="http://schemas.microsoft.com/office/powerpoint/2010/main" xmlns="" val="4024764280"/>
       </p:ext>
     </p:extLst>
   </p:cSld>
@@ -8217,7 +8445,7 @@
     </p:spTree>
     <p:extLst>
       <p:ext uri="{BB962C8B-B14F-4D97-AF65-F5344CB8AC3E}">
-        <p14:creationId xmlns="" xmlns:p14="http://schemas.microsoft.com/office/powerpoint/2010/main" val="4024764280"/>
+        <p14:creationId xmlns:p14="http://schemas.microsoft.com/office/powerpoint/2010/main" xmlns="" val="4024764280"/>
       </p:ext>
     </p:extLst>
   </p:cSld>
@@ -8409,7 +8637,7 @@
     </p:spTree>
     <p:extLst>
       <p:ext uri="{BB962C8B-B14F-4D97-AF65-F5344CB8AC3E}">
-        <p14:creationId xmlns="" xmlns:p14="http://schemas.microsoft.com/office/powerpoint/2010/main" val="4024764280"/>
+        <p14:creationId xmlns:p14="http://schemas.microsoft.com/office/powerpoint/2010/main" xmlns="" val="4024764280"/>
       </p:ext>
     </p:extLst>
   </p:cSld>
@@ -8814,7 +9042,7 @@
     </p:spTree>
     <p:extLst>
       <p:ext uri="{BB962C8B-B14F-4D97-AF65-F5344CB8AC3E}">
-        <p14:creationId xmlns="" xmlns:p14="http://schemas.microsoft.com/office/powerpoint/2010/main" val="4024764280"/>
+        <p14:creationId xmlns:p14="http://schemas.microsoft.com/office/powerpoint/2010/main" xmlns="" val="4024764280"/>
       </p:ext>
     </p:extLst>
   </p:cSld>
@@ -9337,7 +9565,7 @@
     </p:spTree>
     <p:extLst>
       <p:ext uri="{BB962C8B-B14F-4D97-AF65-F5344CB8AC3E}">
-        <p14:creationId xmlns="" xmlns:p14="http://schemas.microsoft.com/office/powerpoint/2010/main" val="4024764280"/>
+        <p14:creationId xmlns:p14="http://schemas.microsoft.com/office/powerpoint/2010/main" xmlns="" val="4024764280"/>
       </p:ext>
     </p:extLst>
   </p:cSld>
